--- a/종합설계기획.pptx
+++ b/종합설계기획.pptx
@@ -4,6 +4,9 @@
   <p:sldMasterIdLst>
     <p:sldMasterId id="2147483648" r:id="rId1"/>
   </p:sldMasterIdLst>
+  <p:notesMasterIdLst>
+    <p:notesMasterId r:id="rId30"/>
+  </p:notesMasterIdLst>
   <p:sldIdLst>
     <p:sldId id="314" r:id="rId2"/>
     <p:sldId id="305" r:id="rId3"/>
@@ -160,6 +163,355 @@
     </p:extLst>
   </p:cmAuthor>
 </p:cmAuthorLst>
+</file>
+
+<file path=ppt/notesMasters/notesMaster1.xml><?xml version="1.0" encoding="utf-8"?>
+<p:notesMaster xmlns:a="http://schemas.openxmlformats.org/drawingml/2006/main" xmlns:r="http://schemas.openxmlformats.org/officeDocument/2006/relationships" xmlns:p="http://schemas.openxmlformats.org/presentationml/2006/main">
+  <p:cSld>
+    <p:bg>
+      <p:bgRef idx="1001">
+        <a:schemeClr val="bg1"/>
+      </p:bgRef>
+    </p:bg>
+    <p:spTree>
+      <p:nvGrpSpPr>
+        <p:cNvPr id="1" name=""/>
+        <p:cNvGrpSpPr/>
+        <p:nvPr/>
+      </p:nvGrpSpPr>
+      <p:grpSpPr>
+        <a:xfrm>
+          <a:off x="0" y="0"/>
+          <a:ext cx="0" cy="0"/>
+          <a:chOff x="0" y="0"/>
+          <a:chExt cx="0" cy="0"/>
+        </a:xfrm>
+      </p:grpSpPr>
+      <p:sp>
+        <p:nvSpPr>
+          <p:cNvPr id="2" name="머리글 개체 틀 1"/>
+          <p:cNvSpPr>
+            <a:spLocks noGrp="1"/>
+          </p:cNvSpPr>
+          <p:nvPr>
+            <p:ph type="hdr" sz="quarter"/>
+          </p:nvPr>
+        </p:nvSpPr>
+        <p:spPr>
+          <a:xfrm>
+            <a:off x="0" y="0"/>
+            <a:ext cx="2971800" cy="458788"/>
+          </a:xfrm>
+          <a:prstGeom prst="rect">
+            <a:avLst/>
+          </a:prstGeom>
+        </p:spPr>
+        <p:txBody>
+          <a:bodyPr vert="horz" lIns="91440" tIns="45720" rIns="91440" bIns="45720" rtlCol="0"/>
+          <a:lstStyle>
+            <a:lvl1pPr algn="l">
+              <a:defRPr sz="1200"/>
+            </a:lvl1pPr>
+          </a:lstStyle>
+          <a:p>
+            <a:endParaRPr lang="ko-KR" altLang="en-US"/>
+          </a:p>
+        </p:txBody>
+      </p:sp>
+      <p:sp>
+        <p:nvSpPr>
+          <p:cNvPr id="3" name="날짜 개체 틀 2"/>
+          <p:cNvSpPr>
+            <a:spLocks noGrp="1"/>
+          </p:cNvSpPr>
+          <p:nvPr>
+            <p:ph type="dt" idx="1"/>
+          </p:nvPr>
+        </p:nvSpPr>
+        <p:spPr>
+          <a:xfrm>
+            <a:off x="3884613" y="0"/>
+            <a:ext cx="2971800" cy="458788"/>
+          </a:xfrm>
+          <a:prstGeom prst="rect">
+            <a:avLst/>
+          </a:prstGeom>
+        </p:spPr>
+        <p:txBody>
+          <a:bodyPr vert="horz" lIns="91440" tIns="45720" rIns="91440" bIns="45720" rtlCol="0"/>
+          <a:lstStyle>
+            <a:lvl1pPr algn="r">
+              <a:defRPr sz="1200"/>
+            </a:lvl1pPr>
+          </a:lstStyle>
+          <a:p>
+            <a:fld id="{C3D06A40-F45E-462C-8051-8638B8FCF009}" type="datetimeFigureOut">
+              <a:rPr lang="ko-KR" altLang="en-US" smtClean="0"/>
+              <a:t>2018-12-12</a:t>
+            </a:fld>
+            <a:endParaRPr lang="ko-KR" altLang="en-US"/>
+          </a:p>
+        </p:txBody>
+      </p:sp>
+      <p:sp>
+        <p:nvSpPr>
+          <p:cNvPr id="4" name="슬라이드 이미지 개체 틀 3"/>
+          <p:cNvSpPr>
+            <a:spLocks noGrp="1" noRot="1" noChangeAspect="1"/>
+          </p:cNvSpPr>
+          <p:nvPr>
+            <p:ph type="sldImg" idx="2"/>
+          </p:nvPr>
+        </p:nvSpPr>
+        <p:spPr>
+          <a:xfrm>
+            <a:off x="685800" y="1143000"/>
+            <a:ext cx="5486400" cy="3086100"/>
+          </a:xfrm>
+          <a:prstGeom prst="rect">
+            <a:avLst/>
+          </a:prstGeom>
+          <a:noFill/>
+          <a:ln w="12700">
+            <a:solidFill>
+              <a:prstClr val="black"/>
+            </a:solidFill>
+          </a:ln>
+        </p:spPr>
+        <p:txBody>
+          <a:bodyPr vert="horz" lIns="91440" tIns="45720" rIns="91440" bIns="45720" rtlCol="0" anchor="ctr"/>
+          <a:lstStyle/>
+          <a:p>
+            <a:endParaRPr lang="ko-KR" altLang="en-US"/>
+          </a:p>
+        </p:txBody>
+      </p:sp>
+      <p:sp>
+        <p:nvSpPr>
+          <p:cNvPr id="5" name="슬라이드 노트 개체 틀 4"/>
+          <p:cNvSpPr>
+            <a:spLocks noGrp="1"/>
+          </p:cNvSpPr>
+          <p:nvPr>
+            <p:ph type="body" sz="quarter" idx="3"/>
+          </p:nvPr>
+        </p:nvSpPr>
+        <p:spPr>
+          <a:xfrm>
+            <a:off x="685800" y="4400550"/>
+            <a:ext cx="5486400" cy="3600450"/>
+          </a:xfrm>
+          <a:prstGeom prst="rect">
+            <a:avLst/>
+          </a:prstGeom>
+        </p:spPr>
+        <p:txBody>
+          <a:bodyPr vert="horz" lIns="91440" tIns="45720" rIns="91440" bIns="45720" rtlCol="0"/>
+          <a:lstStyle/>
+          <a:p>
+            <a:pPr lvl="0"/>
+            <a:r>
+              <a:rPr lang="ko-KR" altLang="en-US"/>
+              <a:t>마스터 텍스트 스타일 편집</a:t>
+            </a:r>
+          </a:p>
+          <a:p>
+            <a:pPr lvl="1"/>
+            <a:r>
+              <a:rPr lang="ko-KR" altLang="en-US"/>
+              <a:t>둘째 수준</a:t>
+            </a:r>
+          </a:p>
+          <a:p>
+            <a:pPr lvl="2"/>
+            <a:r>
+              <a:rPr lang="ko-KR" altLang="en-US"/>
+              <a:t>셋째 수준</a:t>
+            </a:r>
+          </a:p>
+          <a:p>
+            <a:pPr lvl="3"/>
+            <a:r>
+              <a:rPr lang="ko-KR" altLang="en-US"/>
+              <a:t>넷째 수준</a:t>
+            </a:r>
+          </a:p>
+          <a:p>
+            <a:pPr lvl="4"/>
+            <a:r>
+              <a:rPr lang="ko-KR" altLang="en-US"/>
+              <a:t>다섯째 수준</a:t>
+            </a:r>
+          </a:p>
+        </p:txBody>
+      </p:sp>
+      <p:sp>
+        <p:nvSpPr>
+          <p:cNvPr id="6" name="바닥글 개체 틀 5"/>
+          <p:cNvSpPr>
+            <a:spLocks noGrp="1"/>
+          </p:cNvSpPr>
+          <p:nvPr>
+            <p:ph type="ftr" sz="quarter" idx="4"/>
+          </p:nvPr>
+        </p:nvSpPr>
+        <p:spPr>
+          <a:xfrm>
+            <a:off x="0" y="8685213"/>
+            <a:ext cx="2971800" cy="458787"/>
+          </a:xfrm>
+          <a:prstGeom prst="rect">
+            <a:avLst/>
+          </a:prstGeom>
+        </p:spPr>
+        <p:txBody>
+          <a:bodyPr vert="horz" lIns="91440" tIns="45720" rIns="91440" bIns="45720" rtlCol="0" anchor="b"/>
+          <a:lstStyle>
+            <a:lvl1pPr algn="l">
+              <a:defRPr sz="1200"/>
+            </a:lvl1pPr>
+          </a:lstStyle>
+          <a:p>
+            <a:endParaRPr lang="ko-KR" altLang="en-US"/>
+          </a:p>
+        </p:txBody>
+      </p:sp>
+      <p:sp>
+        <p:nvSpPr>
+          <p:cNvPr id="7" name="슬라이드 번호 개체 틀 6"/>
+          <p:cNvSpPr>
+            <a:spLocks noGrp="1"/>
+          </p:cNvSpPr>
+          <p:nvPr>
+            <p:ph type="sldNum" sz="quarter" idx="5"/>
+          </p:nvPr>
+        </p:nvSpPr>
+        <p:spPr>
+          <a:xfrm>
+            <a:off x="3884613" y="8685213"/>
+            <a:ext cx="2971800" cy="458787"/>
+          </a:xfrm>
+          <a:prstGeom prst="rect">
+            <a:avLst/>
+          </a:prstGeom>
+        </p:spPr>
+        <p:txBody>
+          <a:bodyPr vert="horz" lIns="91440" tIns="45720" rIns="91440" bIns="45720" rtlCol="0" anchor="b"/>
+          <a:lstStyle>
+            <a:lvl1pPr algn="r">
+              <a:defRPr sz="1200"/>
+            </a:lvl1pPr>
+          </a:lstStyle>
+          <a:p>
+            <a:fld id="{7382AD6D-29F1-46E6-BD7F-5EA347D8DE5C}" type="slidenum">
+              <a:rPr lang="ko-KR" altLang="en-US" smtClean="0"/>
+              <a:t>‹#›</a:t>
+            </a:fld>
+            <a:endParaRPr lang="ko-KR" altLang="en-US"/>
+          </a:p>
+        </p:txBody>
+      </p:sp>
+    </p:spTree>
+    <p:extLst>
+      <p:ext uri="{BB962C8B-B14F-4D97-AF65-F5344CB8AC3E}">
+        <p14:creationId xmlns:p14="http://schemas.microsoft.com/office/powerpoint/2010/main" val="1137536909"/>
+      </p:ext>
+    </p:extLst>
+  </p:cSld>
+  <p:clrMap bg1="lt1" tx1="dk1" bg2="lt2" tx2="dk2" accent1="accent1" accent2="accent2" accent3="accent3" accent4="accent4" accent5="accent5" accent6="accent6" hlink="hlink" folHlink="folHlink"/>
+  <p:notesStyle>
+    <a:lvl1pPr marL="0" algn="l" defTabSz="914400" rtl="0" eaLnBrk="1" latinLnBrk="1" hangingPunct="1">
+      <a:defRPr sz="1200" kern="1200">
+        <a:solidFill>
+          <a:schemeClr val="tx1"/>
+        </a:solidFill>
+        <a:latin typeface="+mn-lt"/>
+        <a:ea typeface="+mn-ea"/>
+        <a:cs typeface="+mn-cs"/>
+      </a:defRPr>
+    </a:lvl1pPr>
+    <a:lvl2pPr marL="457200" algn="l" defTabSz="914400" rtl="0" eaLnBrk="1" latinLnBrk="1" hangingPunct="1">
+      <a:defRPr sz="1200" kern="1200">
+        <a:solidFill>
+          <a:schemeClr val="tx1"/>
+        </a:solidFill>
+        <a:latin typeface="+mn-lt"/>
+        <a:ea typeface="+mn-ea"/>
+        <a:cs typeface="+mn-cs"/>
+      </a:defRPr>
+    </a:lvl2pPr>
+    <a:lvl3pPr marL="914400" algn="l" defTabSz="914400" rtl="0" eaLnBrk="1" latinLnBrk="1" hangingPunct="1">
+      <a:defRPr sz="1200" kern="1200">
+        <a:solidFill>
+          <a:schemeClr val="tx1"/>
+        </a:solidFill>
+        <a:latin typeface="+mn-lt"/>
+        <a:ea typeface="+mn-ea"/>
+        <a:cs typeface="+mn-cs"/>
+      </a:defRPr>
+    </a:lvl3pPr>
+    <a:lvl4pPr marL="1371600" algn="l" defTabSz="914400" rtl="0" eaLnBrk="1" latinLnBrk="1" hangingPunct="1">
+      <a:defRPr sz="1200" kern="1200">
+        <a:solidFill>
+          <a:schemeClr val="tx1"/>
+        </a:solidFill>
+        <a:latin typeface="+mn-lt"/>
+        <a:ea typeface="+mn-ea"/>
+        <a:cs typeface="+mn-cs"/>
+      </a:defRPr>
+    </a:lvl4pPr>
+    <a:lvl5pPr marL="1828800" algn="l" defTabSz="914400" rtl="0" eaLnBrk="1" latinLnBrk="1" hangingPunct="1">
+      <a:defRPr sz="1200" kern="1200">
+        <a:solidFill>
+          <a:schemeClr val="tx1"/>
+        </a:solidFill>
+        <a:latin typeface="+mn-lt"/>
+        <a:ea typeface="+mn-ea"/>
+        <a:cs typeface="+mn-cs"/>
+      </a:defRPr>
+    </a:lvl5pPr>
+    <a:lvl6pPr marL="2286000" algn="l" defTabSz="914400" rtl="0" eaLnBrk="1" latinLnBrk="1" hangingPunct="1">
+      <a:defRPr sz="1200" kern="1200">
+        <a:solidFill>
+          <a:schemeClr val="tx1"/>
+        </a:solidFill>
+        <a:latin typeface="+mn-lt"/>
+        <a:ea typeface="+mn-ea"/>
+        <a:cs typeface="+mn-cs"/>
+      </a:defRPr>
+    </a:lvl6pPr>
+    <a:lvl7pPr marL="2743200" algn="l" defTabSz="914400" rtl="0" eaLnBrk="1" latinLnBrk="1" hangingPunct="1">
+      <a:defRPr sz="1200" kern="1200">
+        <a:solidFill>
+          <a:schemeClr val="tx1"/>
+        </a:solidFill>
+        <a:latin typeface="+mn-lt"/>
+        <a:ea typeface="+mn-ea"/>
+        <a:cs typeface="+mn-cs"/>
+      </a:defRPr>
+    </a:lvl7pPr>
+    <a:lvl8pPr marL="3200400" algn="l" defTabSz="914400" rtl="0" eaLnBrk="1" latinLnBrk="1" hangingPunct="1">
+      <a:defRPr sz="1200" kern="1200">
+        <a:solidFill>
+          <a:schemeClr val="tx1"/>
+        </a:solidFill>
+        <a:latin typeface="+mn-lt"/>
+        <a:ea typeface="+mn-ea"/>
+        <a:cs typeface="+mn-cs"/>
+      </a:defRPr>
+    </a:lvl8pPr>
+    <a:lvl9pPr marL="3657600" algn="l" defTabSz="914400" rtl="0" eaLnBrk="1" latinLnBrk="1" hangingPunct="1">
+      <a:defRPr sz="1200" kern="1200">
+        <a:solidFill>
+          <a:schemeClr val="tx1"/>
+        </a:solidFill>
+        <a:latin typeface="+mn-lt"/>
+        <a:ea typeface="+mn-ea"/>
+        <a:cs typeface="+mn-cs"/>
+      </a:defRPr>
+    </a:lvl9pPr>
+  </p:notesStyle>
+</p:notesMaster>
 </file>
 
 <file path=ppt/slideLayouts/slideLayout1.xml><?xml version="1.0" encoding="utf-8"?>
@@ -3403,9 +3755,188 @@
           <a:chExt cx="0" cy="0"/>
         </a:xfrm>
       </p:grpSpPr>
+      <p:cxnSp>
+        <p:nvCxnSpPr>
+          <p:cNvPr id="7" name="직선 연결선 6">
+            <a:extLst>
+              <a:ext uri="{FF2B5EF4-FFF2-40B4-BE49-F238E27FC236}">
+                <a16:creationId xmlns:a16="http://schemas.microsoft.com/office/drawing/2014/main" id="{392962BE-4B82-49F9-B030-940744853456}"/>
+              </a:ext>
+            </a:extLst>
+          </p:cNvPr>
+          <p:cNvCxnSpPr/>
+          <p:nvPr/>
+        </p:nvCxnSpPr>
+        <p:spPr>
+          <a:xfrm>
+            <a:off x="1216189" y="3726199"/>
+            <a:ext cx="2059864" cy="0"/>
+          </a:xfrm>
+          <a:prstGeom prst="line">
+            <a:avLst/>
+          </a:prstGeom>
+          <a:solidFill>
+            <a:schemeClr val="accent2"/>
+          </a:solidFill>
+          <a:ln>
+            <a:solidFill>
+              <a:schemeClr val="bg1"/>
+            </a:solidFill>
+            <a:prstDash val="dash"/>
+          </a:ln>
+        </p:spPr>
+        <p:style>
+          <a:lnRef idx="1">
+            <a:schemeClr val="accent1"/>
+          </a:lnRef>
+          <a:fillRef idx="0">
+            <a:schemeClr val="accent1"/>
+          </a:fillRef>
+          <a:effectRef idx="0">
+            <a:schemeClr val="accent1"/>
+          </a:effectRef>
+          <a:fontRef idx="minor">
+            <a:schemeClr val="tx1"/>
+          </a:fontRef>
+        </p:style>
+      </p:cxnSp>
+      <p:cxnSp>
+        <p:nvCxnSpPr>
+          <p:cNvPr id="10" name="직선 연결선 9">
+            <a:extLst>
+              <a:ext uri="{FF2B5EF4-FFF2-40B4-BE49-F238E27FC236}">
+                <a16:creationId xmlns:a16="http://schemas.microsoft.com/office/drawing/2014/main" id="{4D8E8A12-1141-4F54-9CF8-401AD2958C69}"/>
+              </a:ext>
+            </a:extLst>
+          </p:cNvPr>
+          <p:cNvCxnSpPr/>
+          <p:nvPr/>
+        </p:nvCxnSpPr>
+        <p:spPr>
+          <a:xfrm>
+            <a:off x="1216189" y="922439"/>
+            <a:ext cx="2059864" cy="0"/>
+          </a:xfrm>
+          <a:prstGeom prst="line">
+            <a:avLst/>
+          </a:prstGeom>
+          <a:solidFill>
+            <a:schemeClr val="accent2"/>
+          </a:solidFill>
+          <a:ln>
+            <a:solidFill>
+              <a:schemeClr val="bg1"/>
+            </a:solidFill>
+            <a:prstDash val="dash"/>
+          </a:ln>
+        </p:spPr>
+        <p:style>
+          <a:lnRef idx="1">
+            <a:schemeClr val="accent1"/>
+          </a:lnRef>
+          <a:fillRef idx="0">
+            <a:schemeClr val="accent1"/>
+          </a:fillRef>
+          <a:effectRef idx="0">
+            <a:schemeClr val="accent1"/>
+          </a:effectRef>
+          <a:fontRef idx="minor">
+            <a:schemeClr val="tx1"/>
+          </a:fontRef>
+        </p:style>
+      </p:cxnSp>
       <p:sp>
         <p:nvSpPr>
-          <p:cNvPr id="8" name="오각형 7"/>
+          <p:cNvPr id="12" name="TextBox 11">
+            <a:extLst>
+              <a:ext uri="{FF2B5EF4-FFF2-40B4-BE49-F238E27FC236}">
+                <a16:creationId xmlns:a16="http://schemas.microsoft.com/office/drawing/2014/main" id="{DBEC2469-9B84-499B-A264-B7C902C3CEE6}"/>
+              </a:ext>
+            </a:extLst>
+          </p:cNvPr>
+          <p:cNvSpPr txBox="1"/>
+          <p:nvPr/>
+        </p:nvSpPr>
+        <p:spPr>
+          <a:xfrm>
+            <a:off x="1216189" y="2448004"/>
+            <a:ext cx="827471" cy="584775"/>
+          </a:xfrm>
+          <a:prstGeom prst="rect">
+            <a:avLst/>
+          </a:prstGeom>
+          <a:noFill/>
+        </p:spPr>
+        <p:txBody>
+          <a:bodyPr wrap="none" rtlCol="0">
+            <a:spAutoFit/>
+          </a:bodyPr>
+          <a:lstStyle/>
+          <a:p>
+            <a:r>
+              <a:rPr lang="en-US" altLang="ko-KR" sz="3200" dirty="0">
+                <a:solidFill>
+                  <a:schemeClr val="bg1"/>
+                </a:solidFill>
+              </a:rPr>
+              <a:t>001</a:t>
+            </a:r>
+            <a:endParaRPr lang="ko-KR" altLang="en-US" sz="3200" dirty="0">
+              <a:solidFill>
+                <a:schemeClr val="bg1"/>
+              </a:solidFill>
+            </a:endParaRPr>
+          </a:p>
+        </p:txBody>
+      </p:sp>
+      <p:sp>
+        <p:nvSpPr>
+          <p:cNvPr id="13" name="TextBox 12">
+            <a:extLst>
+              <a:ext uri="{FF2B5EF4-FFF2-40B4-BE49-F238E27FC236}">
+                <a16:creationId xmlns:a16="http://schemas.microsoft.com/office/drawing/2014/main" id="{5B8DE767-BC24-4EE4-B47E-019475A0B1B9}"/>
+              </a:ext>
+            </a:extLst>
+          </p:cNvPr>
+          <p:cNvSpPr txBox="1"/>
+          <p:nvPr/>
+        </p:nvSpPr>
+        <p:spPr>
+          <a:xfrm>
+            <a:off x="1194709" y="3034877"/>
+            <a:ext cx="1826141" cy="584775"/>
+          </a:xfrm>
+          <a:prstGeom prst="rect">
+            <a:avLst/>
+          </a:prstGeom>
+          <a:noFill/>
+        </p:spPr>
+        <p:txBody>
+          <a:bodyPr wrap="none" rtlCol="0">
+            <a:spAutoFit/>
+          </a:bodyPr>
+          <a:lstStyle/>
+          <a:p>
+            <a:r>
+              <a:rPr lang="ko-KR" altLang="en-US" sz="3200" dirty="0">
+                <a:solidFill>
+                  <a:schemeClr val="bg1"/>
+                </a:solidFill>
+              </a:rPr>
+              <a:t>연구목적</a:t>
+            </a:r>
+          </a:p>
+        </p:txBody>
+      </p:sp>
+      <p:sp>
+        <p:nvSpPr>
+          <p:cNvPr id="14" name="오각형 7">
+            <a:extLst>
+              <a:ext uri="{FF2B5EF4-FFF2-40B4-BE49-F238E27FC236}">
+                <a16:creationId xmlns:a16="http://schemas.microsoft.com/office/drawing/2014/main" id="{2FBBE1AA-34D2-42F9-A5AB-2E3CD9ADDB77}"/>
+              </a:ext>
+            </a:extLst>
+          </p:cNvPr>
           <p:cNvSpPr/>
           <p:nvPr/>
         </p:nvSpPr>
@@ -3459,14 +3990,22 @@
       </p:sp>
       <p:cxnSp>
         <p:nvCxnSpPr>
-          <p:cNvPr id="9" name="직선 연결선 8"/>
-          <p:cNvCxnSpPr/>
+          <p:cNvPr id="15" name="직선 연결선 14">
+            <a:extLst>
+              <a:ext uri="{FF2B5EF4-FFF2-40B4-BE49-F238E27FC236}">
+                <a16:creationId xmlns:a16="http://schemas.microsoft.com/office/drawing/2014/main" id="{550139C7-B7FB-41E9-945B-987EA77EB095}"/>
+              </a:ext>
+            </a:extLst>
+          </p:cNvPr>
+          <p:cNvCxnSpPr>
+            <a:cxnSpLocks/>
+          </p:cNvCxnSpPr>
           <p:nvPr/>
         </p:nvCxnSpPr>
         <p:spPr>
           <a:xfrm>
-            <a:off x="1216189" y="3726199"/>
-            <a:ext cx="2059864" cy="0"/>
+            <a:off x="943659" y="3715297"/>
+            <a:ext cx="2332394" cy="10902"/>
           </a:xfrm>
           <a:prstGeom prst="line">
             <a:avLst/>
@@ -3498,14 +4037,22 @@
       </p:cxnSp>
       <p:cxnSp>
         <p:nvCxnSpPr>
-          <p:cNvPr id="11" name="직선 연결선 10"/>
-          <p:cNvCxnSpPr/>
+          <p:cNvPr id="18" name="직선 연결선 17">
+            <a:extLst>
+              <a:ext uri="{FF2B5EF4-FFF2-40B4-BE49-F238E27FC236}">
+                <a16:creationId xmlns:a16="http://schemas.microsoft.com/office/drawing/2014/main" id="{8EF1C9B6-7B9F-467C-8DEA-841EBBE95B41}"/>
+              </a:ext>
+            </a:extLst>
+          </p:cNvPr>
+          <p:cNvCxnSpPr>
+            <a:cxnSpLocks/>
+          </p:cNvCxnSpPr>
           <p:nvPr/>
         </p:nvCxnSpPr>
         <p:spPr>
           <a:xfrm>
-            <a:off x="1216189" y="922439"/>
-            <a:ext cx="2059864" cy="0"/>
+            <a:off x="943659" y="922439"/>
+            <a:ext cx="2332394" cy="0"/>
           </a:xfrm>
           <a:prstGeom prst="line">
             <a:avLst/>
@@ -3537,14 +4084,20 @@
       </p:cxnSp>
       <p:sp>
         <p:nvSpPr>
-          <p:cNvPr id="16" name="TextBox 15"/>
+          <p:cNvPr id="19" name="TextBox 18">
+            <a:extLst>
+              <a:ext uri="{FF2B5EF4-FFF2-40B4-BE49-F238E27FC236}">
+                <a16:creationId xmlns:a16="http://schemas.microsoft.com/office/drawing/2014/main" id="{6739A51C-4232-4982-9916-69CA81E9A48D}"/>
+              </a:ext>
+            </a:extLst>
+          </p:cNvPr>
           <p:cNvSpPr txBox="1"/>
           <p:nvPr/>
         </p:nvSpPr>
         <p:spPr>
           <a:xfrm>
-            <a:off x="1064281" y="2547026"/>
-            <a:ext cx="867545" cy="584775"/>
+            <a:off x="960208" y="2761190"/>
+            <a:ext cx="1620957" cy="954107"/>
           </a:xfrm>
           <a:prstGeom prst="rect">
             <a:avLst/>
@@ -3558,45 +4111,30 @@
           <a:lstStyle/>
           <a:p>
             <a:r>
-              <a:rPr lang="en-US" altLang="ko-KR" sz="3200" dirty="0">
+              <a:rPr lang="en-US" altLang="ko-KR" sz="2800" dirty="0">
                 <a:solidFill>
                   <a:schemeClr val="bg1"/>
                 </a:solidFill>
               </a:rPr>
               <a:t>003</a:t>
             </a:r>
-            <a:endParaRPr lang="ko-KR" altLang="en-US" sz="3200" dirty="0">
+            <a:r>
+              <a:rPr lang="ko-KR" altLang="en-US" sz="2800" dirty="0">
+                <a:solidFill>
+                  <a:schemeClr val="bg1"/>
+                </a:solidFill>
+              </a:rPr>
+              <a:t>  </a:t>
+            </a:r>
+            <a:endParaRPr lang="en-US" altLang="ko-KR" sz="2800" dirty="0">
               <a:solidFill>
                 <a:schemeClr val="bg1"/>
               </a:solidFill>
             </a:endParaRPr>
           </a:p>
-        </p:txBody>
-      </p:sp>
-      <p:sp>
-        <p:nvSpPr>
-          <p:cNvPr id="17" name="TextBox 16"/>
-          <p:cNvSpPr txBox="1"/>
-          <p:nvPr/>
-        </p:nvSpPr>
-        <p:spPr>
-          <a:xfrm>
-            <a:off x="1042801" y="3133899"/>
-            <a:ext cx="1826141" cy="584775"/>
-          </a:xfrm>
-          <a:prstGeom prst="rect">
-            <a:avLst/>
-          </a:prstGeom>
-          <a:noFill/>
-        </p:spPr>
-        <p:txBody>
-          <a:bodyPr wrap="none" rtlCol="0">
-            <a:spAutoFit/>
-          </a:bodyPr>
-          <a:lstStyle/>
-          <a:p>
-            <a:r>
-              <a:rPr lang="ko-KR" altLang="en-US" sz="3200" dirty="0">
+          <a:p>
+            <a:r>
+              <a:rPr lang="ko-KR" altLang="en-US" sz="2800" dirty="0">
                 <a:solidFill>
                   <a:schemeClr val="bg1"/>
                 </a:solidFill>
@@ -5011,9 +5549,188 @@
           <a:chExt cx="0" cy="0"/>
         </a:xfrm>
       </p:grpSpPr>
+      <p:cxnSp>
+        <p:nvCxnSpPr>
+          <p:cNvPr id="14" name="직선 연결선 13">
+            <a:extLst>
+              <a:ext uri="{FF2B5EF4-FFF2-40B4-BE49-F238E27FC236}">
+                <a16:creationId xmlns:a16="http://schemas.microsoft.com/office/drawing/2014/main" id="{25488318-80F6-4037-B514-33B46FEAEAC9}"/>
+              </a:ext>
+            </a:extLst>
+          </p:cNvPr>
+          <p:cNvCxnSpPr/>
+          <p:nvPr/>
+        </p:nvCxnSpPr>
+        <p:spPr>
+          <a:xfrm>
+            <a:off x="1216189" y="3726199"/>
+            <a:ext cx="2059864" cy="0"/>
+          </a:xfrm>
+          <a:prstGeom prst="line">
+            <a:avLst/>
+          </a:prstGeom>
+          <a:solidFill>
+            <a:schemeClr val="accent2"/>
+          </a:solidFill>
+          <a:ln>
+            <a:solidFill>
+              <a:schemeClr val="bg1"/>
+            </a:solidFill>
+            <a:prstDash val="dash"/>
+          </a:ln>
+        </p:spPr>
+        <p:style>
+          <a:lnRef idx="1">
+            <a:schemeClr val="accent1"/>
+          </a:lnRef>
+          <a:fillRef idx="0">
+            <a:schemeClr val="accent1"/>
+          </a:fillRef>
+          <a:effectRef idx="0">
+            <a:schemeClr val="accent1"/>
+          </a:effectRef>
+          <a:fontRef idx="minor">
+            <a:schemeClr val="tx1"/>
+          </a:fontRef>
+        </p:style>
+      </p:cxnSp>
+      <p:cxnSp>
+        <p:nvCxnSpPr>
+          <p:cNvPr id="15" name="직선 연결선 14">
+            <a:extLst>
+              <a:ext uri="{FF2B5EF4-FFF2-40B4-BE49-F238E27FC236}">
+                <a16:creationId xmlns:a16="http://schemas.microsoft.com/office/drawing/2014/main" id="{1D6B5751-94D7-45EC-AD75-0150D6E181B8}"/>
+              </a:ext>
+            </a:extLst>
+          </p:cNvPr>
+          <p:cNvCxnSpPr/>
+          <p:nvPr/>
+        </p:nvCxnSpPr>
+        <p:spPr>
+          <a:xfrm>
+            <a:off x="1216189" y="922439"/>
+            <a:ext cx="2059864" cy="0"/>
+          </a:xfrm>
+          <a:prstGeom prst="line">
+            <a:avLst/>
+          </a:prstGeom>
+          <a:solidFill>
+            <a:schemeClr val="accent2"/>
+          </a:solidFill>
+          <a:ln>
+            <a:solidFill>
+              <a:schemeClr val="bg1"/>
+            </a:solidFill>
+            <a:prstDash val="dash"/>
+          </a:ln>
+        </p:spPr>
+        <p:style>
+          <a:lnRef idx="1">
+            <a:schemeClr val="accent1"/>
+          </a:lnRef>
+          <a:fillRef idx="0">
+            <a:schemeClr val="accent1"/>
+          </a:fillRef>
+          <a:effectRef idx="0">
+            <a:schemeClr val="accent1"/>
+          </a:effectRef>
+          <a:fontRef idx="minor">
+            <a:schemeClr val="tx1"/>
+          </a:fontRef>
+        </p:style>
+      </p:cxnSp>
       <p:sp>
         <p:nvSpPr>
-          <p:cNvPr id="8" name="오각형 7"/>
+          <p:cNvPr id="18" name="TextBox 17">
+            <a:extLst>
+              <a:ext uri="{FF2B5EF4-FFF2-40B4-BE49-F238E27FC236}">
+                <a16:creationId xmlns:a16="http://schemas.microsoft.com/office/drawing/2014/main" id="{493722ED-36BE-4B5F-8CE2-B4D1AAE8E5C7}"/>
+              </a:ext>
+            </a:extLst>
+          </p:cNvPr>
+          <p:cNvSpPr txBox="1"/>
+          <p:nvPr/>
+        </p:nvSpPr>
+        <p:spPr>
+          <a:xfrm>
+            <a:off x="1216189" y="2448004"/>
+            <a:ext cx="827471" cy="584775"/>
+          </a:xfrm>
+          <a:prstGeom prst="rect">
+            <a:avLst/>
+          </a:prstGeom>
+          <a:noFill/>
+        </p:spPr>
+        <p:txBody>
+          <a:bodyPr wrap="none" rtlCol="0">
+            <a:spAutoFit/>
+          </a:bodyPr>
+          <a:lstStyle/>
+          <a:p>
+            <a:r>
+              <a:rPr lang="en-US" altLang="ko-KR" sz="3200" dirty="0">
+                <a:solidFill>
+                  <a:schemeClr val="bg1"/>
+                </a:solidFill>
+              </a:rPr>
+              <a:t>001</a:t>
+            </a:r>
+            <a:endParaRPr lang="ko-KR" altLang="en-US" sz="3200" dirty="0">
+              <a:solidFill>
+                <a:schemeClr val="bg1"/>
+              </a:solidFill>
+            </a:endParaRPr>
+          </a:p>
+        </p:txBody>
+      </p:sp>
+      <p:sp>
+        <p:nvSpPr>
+          <p:cNvPr id="19" name="TextBox 18">
+            <a:extLst>
+              <a:ext uri="{FF2B5EF4-FFF2-40B4-BE49-F238E27FC236}">
+                <a16:creationId xmlns:a16="http://schemas.microsoft.com/office/drawing/2014/main" id="{145359F3-E023-4530-985A-357E6FE04ADD}"/>
+              </a:ext>
+            </a:extLst>
+          </p:cNvPr>
+          <p:cNvSpPr txBox="1"/>
+          <p:nvPr/>
+        </p:nvSpPr>
+        <p:spPr>
+          <a:xfrm>
+            <a:off x="1194709" y="3034877"/>
+            <a:ext cx="1826141" cy="584775"/>
+          </a:xfrm>
+          <a:prstGeom prst="rect">
+            <a:avLst/>
+          </a:prstGeom>
+          <a:noFill/>
+        </p:spPr>
+        <p:txBody>
+          <a:bodyPr wrap="none" rtlCol="0">
+            <a:spAutoFit/>
+          </a:bodyPr>
+          <a:lstStyle/>
+          <a:p>
+            <a:r>
+              <a:rPr lang="ko-KR" altLang="en-US" sz="3200" dirty="0">
+                <a:solidFill>
+                  <a:schemeClr val="bg1"/>
+                </a:solidFill>
+              </a:rPr>
+              <a:t>연구목적</a:t>
+            </a:r>
+          </a:p>
+        </p:txBody>
+      </p:sp>
+      <p:sp>
+        <p:nvSpPr>
+          <p:cNvPr id="20" name="오각형 7">
+            <a:extLst>
+              <a:ext uri="{FF2B5EF4-FFF2-40B4-BE49-F238E27FC236}">
+                <a16:creationId xmlns:a16="http://schemas.microsoft.com/office/drawing/2014/main" id="{F1E45F89-CF45-4D6A-B5C4-8988B82E7D61}"/>
+              </a:ext>
+            </a:extLst>
+          </p:cNvPr>
           <p:cNvSpPr/>
           <p:nvPr/>
         </p:nvSpPr>
@@ -5067,14 +5784,22 @@
       </p:sp>
       <p:cxnSp>
         <p:nvCxnSpPr>
-          <p:cNvPr id="9" name="직선 연결선 8"/>
-          <p:cNvCxnSpPr/>
+          <p:cNvPr id="21" name="직선 연결선 20">
+            <a:extLst>
+              <a:ext uri="{FF2B5EF4-FFF2-40B4-BE49-F238E27FC236}">
+                <a16:creationId xmlns:a16="http://schemas.microsoft.com/office/drawing/2014/main" id="{D419DF2E-54F6-4076-A49F-541D36198988}"/>
+              </a:ext>
+            </a:extLst>
+          </p:cNvPr>
+          <p:cNvCxnSpPr>
+            <a:cxnSpLocks/>
+          </p:cNvCxnSpPr>
           <p:nvPr/>
         </p:nvCxnSpPr>
         <p:spPr>
           <a:xfrm>
-            <a:off x="1216189" y="3726199"/>
-            <a:ext cx="2059864" cy="0"/>
+            <a:off x="943659" y="3715297"/>
+            <a:ext cx="2332394" cy="10902"/>
           </a:xfrm>
           <a:prstGeom prst="line">
             <a:avLst/>
@@ -5106,14 +5831,22 @@
       </p:cxnSp>
       <p:cxnSp>
         <p:nvCxnSpPr>
-          <p:cNvPr id="11" name="직선 연결선 10"/>
-          <p:cNvCxnSpPr/>
+          <p:cNvPr id="22" name="직선 연결선 21">
+            <a:extLst>
+              <a:ext uri="{FF2B5EF4-FFF2-40B4-BE49-F238E27FC236}">
+                <a16:creationId xmlns:a16="http://schemas.microsoft.com/office/drawing/2014/main" id="{06F73828-C2CD-4504-B1ED-ED3BFF61684C}"/>
+              </a:ext>
+            </a:extLst>
+          </p:cNvPr>
+          <p:cNvCxnSpPr>
+            <a:cxnSpLocks/>
+          </p:cNvCxnSpPr>
           <p:nvPr/>
         </p:nvCxnSpPr>
         <p:spPr>
           <a:xfrm>
-            <a:off x="1216189" y="922439"/>
-            <a:ext cx="2059864" cy="0"/>
+            <a:off x="943659" y="922439"/>
+            <a:ext cx="2332394" cy="0"/>
           </a:xfrm>
           <a:prstGeom prst="line">
             <a:avLst/>
@@ -5145,14 +5878,20 @@
       </p:cxnSp>
       <p:sp>
         <p:nvSpPr>
-          <p:cNvPr id="16" name="TextBox 15"/>
+          <p:cNvPr id="23" name="TextBox 22">
+            <a:extLst>
+              <a:ext uri="{FF2B5EF4-FFF2-40B4-BE49-F238E27FC236}">
+                <a16:creationId xmlns:a16="http://schemas.microsoft.com/office/drawing/2014/main" id="{90B4351F-62F4-49A5-B1E2-AF29C5C0DB15}"/>
+              </a:ext>
+            </a:extLst>
+          </p:cNvPr>
           <p:cNvSpPr txBox="1"/>
           <p:nvPr/>
         </p:nvSpPr>
         <p:spPr>
           <a:xfrm>
-            <a:off x="1064281" y="1779125"/>
-            <a:ext cx="867545" cy="584775"/>
+            <a:off x="960208" y="2761190"/>
+            <a:ext cx="1980029" cy="954107"/>
           </a:xfrm>
           <a:prstGeom prst="rect">
             <a:avLst/>
@@ -5166,66 +5905,20 @@
           <a:lstStyle/>
           <a:p>
             <a:r>
-              <a:rPr lang="en-US" altLang="ko-KR" sz="3200" dirty="0">
+              <a:rPr lang="en-US" altLang="ko-KR" sz="2800" dirty="0">
                 <a:solidFill>
                   <a:schemeClr val="bg1"/>
                 </a:solidFill>
               </a:rPr>
               <a:t>004</a:t>
             </a:r>
-            <a:endParaRPr lang="ko-KR" altLang="en-US" sz="3200" dirty="0">
-              <a:solidFill>
-                <a:schemeClr val="bg1"/>
-              </a:solidFill>
-            </a:endParaRPr>
-          </a:p>
-        </p:txBody>
-      </p:sp>
-      <p:sp>
-        <p:nvSpPr>
-          <p:cNvPr id="17" name="TextBox 16"/>
-          <p:cNvSpPr txBox="1"/>
-          <p:nvPr/>
-        </p:nvSpPr>
-        <p:spPr>
-          <a:xfrm>
-            <a:off x="865881" y="2365998"/>
-            <a:ext cx="2537874" cy="954107"/>
-          </a:xfrm>
-          <a:prstGeom prst="rect">
-            <a:avLst/>
-          </a:prstGeom>
-          <a:noFill/>
-        </p:spPr>
-        <p:txBody>
-          <a:bodyPr wrap="none" rtlCol="0">
-            <a:spAutoFit/>
-          </a:bodyPr>
-          <a:lstStyle/>
-          <a:p>
             <a:r>
               <a:rPr lang="ko-KR" altLang="en-US" sz="2800" dirty="0">
                 <a:solidFill>
                   <a:schemeClr val="bg1"/>
                 </a:solidFill>
               </a:rPr>
-              <a:t>기술적 요소</a:t>
-            </a:r>
-            <a:r>
-              <a:rPr lang="en-US" altLang="ko-KR" sz="2800" dirty="0">
-                <a:solidFill>
-                  <a:schemeClr val="bg1"/>
-                </a:solidFill>
-              </a:rPr>
-              <a:t> </a:t>
-            </a:r>
-            <a:r>
-              <a:rPr lang="ko-KR" altLang="en-US" sz="2800" dirty="0">
-                <a:solidFill>
-                  <a:schemeClr val="bg1"/>
-                </a:solidFill>
-              </a:rPr>
-              <a:t>및</a:t>
+              <a:t>  </a:t>
             </a:r>
             <a:endParaRPr lang="en-US" altLang="ko-KR" sz="2800" dirty="0">
               <a:solidFill>
@@ -5240,7 +5933,7 @@
                   <a:schemeClr val="bg1"/>
                 </a:solidFill>
               </a:rPr>
-              <a:t>중점 연구분야</a:t>
+              <a:t>기술적요소</a:t>
             </a:r>
           </a:p>
         </p:txBody>
@@ -5789,15 +6482,435 @@
           <a:chExt cx="0" cy="0"/>
         </a:xfrm>
       </p:grpSpPr>
+      <p:cxnSp>
+        <p:nvCxnSpPr>
+          <p:cNvPr id="9" name="직선 연결선 8"/>
+          <p:cNvCxnSpPr/>
+          <p:nvPr/>
+        </p:nvCxnSpPr>
+        <p:spPr>
+          <a:xfrm>
+            <a:off x="1216189" y="3726199"/>
+            <a:ext cx="2059864" cy="0"/>
+          </a:xfrm>
+          <a:prstGeom prst="line">
+            <a:avLst/>
+          </a:prstGeom>
+          <a:solidFill>
+            <a:schemeClr val="accent2"/>
+          </a:solidFill>
+          <a:ln>
+            <a:solidFill>
+              <a:schemeClr val="bg1"/>
+            </a:solidFill>
+            <a:prstDash val="dash"/>
+          </a:ln>
+        </p:spPr>
+        <p:style>
+          <a:lnRef idx="1">
+            <a:schemeClr val="accent1"/>
+          </a:lnRef>
+          <a:fillRef idx="0">
+            <a:schemeClr val="accent1"/>
+          </a:fillRef>
+          <a:effectRef idx="0">
+            <a:schemeClr val="accent1"/>
+          </a:effectRef>
+          <a:fontRef idx="minor">
+            <a:schemeClr val="tx1"/>
+          </a:fontRef>
+        </p:style>
+      </p:cxnSp>
+      <p:cxnSp>
+        <p:nvCxnSpPr>
+          <p:cNvPr id="11" name="직선 연결선 10"/>
+          <p:cNvCxnSpPr/>
+          <p:nvPr/>
+        </p:nvCxnSpPr>
+        <p:spPr>
+          <a:xfrm>
+            <a:off x="1216189" y="922439"/>
+            <a:ext cx="2059864" cy="0"/>
+          </a:xfrm>
+          <a:prstGeom prst="line">
+            <a:avLst/>
+          </a:prstGeom>
+          <a:solidFill>
+            <a:schemeClr val="accent2"/>
+          </a:solidFill>
+          <a:ln>
+            <a:solidFill>
+              <a:schemeClr val="bg1"/>
+            </a:solidFill>
+            <a:prstDash val="dash"/>
+          </a:ln>
+        </p:spPr>
+        <p:style>
+          <a:lnRef idx="1">
+            <a:schemeClr val="accent1"/>
+          </a:lnRef>
+          <a:fillRef idx="0">
+            <a:schemeClr val="accent1"/>
+          </a:fillRef>
+          <a:effectRef idx="0">
+            <a:schemeClr val="accent1"/>
+          </a:effectRef>
+          <a:fontRef idx="minor">
+            <a:schemeClr val="tx1"/>
+          </a:fontRef>
+        </p:style>
+      </p:cxnSp>
       <p:sp>
         <p:nvSpPr>
-          <p:cNvPr id="8" name="오각형 7"/>
+          <p:cNvPr id="16" name="TextBox 15"/>
+          <p:cNvSpPr txBox="1"/>
+          <p:nvPr/>
+        </p:nvSpPr>
+        <p:spPr>
+          <a:xfrm>
+            <a:off x="1135979" y="2062108"/>
+            <a:ext cx="867545" cy="584775"/>
+          </a:xfrm>
+          <a:prstGeom prst="rect">
+            <a:avLst/>
+          </a:prstGeom>
+          <a:noFill/>
+        </p:spPr>
+        <p:txBody>
+          <a:bodyPr wrap="none" rtlCol="0">
+            <a:spAutoFit/>
+          </a:bodyPr>
+          <a:lstStyle/>
+          <a:p>
+            <a:r>
+              <a:rPr lang="en-US" altLang="ko-KR" sz="3200" dirty="0">
+                <a:solidFill>
+                  <a:schemeClr val="bg1"/>
+                </a:solidFill>
+              </a:rPr>
+              <a:t>005</a:t>
+            </a:r>
+            <a:endParaRPr lang="ko-KR" altLang="en-US" sz="3200" dirty="0">
+              <a:solidFill>
+                <a:schemeClr val="bg1"/>
+              </a:solidFill>
+            </a:endParaRPr>
+          </a:p>
+        </p:txBody>
+      </p:sp>
+      <p:sp>
+        <p:nvSpPr>
+          <p:cNvPr id="17" name="TextBox 16"/>
+          <p:cNvSpPr txBox="1"/>
+          <p:nvPr/>
+        </p:nvSpPr>
+        <p:spPr>
+          <a:xfrm>
+            <a:off x="1114499" y="2648981"/>
+            <a:ext cx="2350323" cy="1077218"/>
+          </a:xfrm>
+          <a:prstGeom prst="rect">
+            <a:avLst/>
+          </a:prstGeom>
+          <a:noFill/>
+        </p:spPr>
+        <p:txBody>
+          <a:bodyPr wrap="none" rtlCol="0">
+            <a:spAutoFit/>
+          </a:bodyPr>
+          <a:lstStyle/>
+          <a:p>
+            <a:r>
+              <a:rPr lang="ko-KR" altLang="en-US" sz="3200" dirty="0">
+                <a:solidFill>
+                  <a:schemeClr val="bg1"/>
+                </a:solidFill>
+              </a:rPr>
+              <a:t>타 게임과의</a:t>
+            </a:r>
+            <a:endParaRPr lang="en-US" altLang="ko-KR" sz="3200" dirty="0">
+              <a:solidFill>
+                <a:schemeClr val="bg1"/>
+              </a:solidFill>
+            </a:endParaRPr>
+          </a:p>
+          <a:p>
+            <a:r>
+              <a:rPr lang="ko-KR" altLang="en-US" sz="3200" dirty="0">
+                <a:solidFill>
+                  <a:schemeClr val="bg1"/>
+                </a:solidFill>
+              </a:rPr>
+              <a:t>차별성</a:t>
+            </a:r>
+          </a:p>
+        </p:txBody>
+      </p:sp>
+      <p:sp>
+        <p:nvSpPr>
+          <p:cNvPr id="13" name="TextBox 12">
+            <a:extLst>
+              <a:ext uri="{FF2B5EF4-FFF2-40B4-BE49-F238E27FC236}">
+                <a16:creationId xmlns:a16="http://schemas.microsoft.com/office/drawing/2014/main" id="{D3BE85EF-3545-47DA-88D0-598EFD566079}"/>
+              </a:ext>
+            </a:extLst>
+          </p:cNvPr>
+          <p:cNvSpPr txBox="1"/>
+          <p:nvPr/>
+        </p:nvSpPr>
+        <p:spPr>
+          <a:xfrm>
+            <a:off x="960208" y="2761190"/>
+            <a:ext cx="2178802" cy="1384995"/>
+          </a:xfrm>
+          <a:prstGeom prst="rect">
+            <a:avLst/>
+          </a:prstGeom>
+          <a:noFill/>
+        </p:spPr>
+        <p:txBody>
+          <a:bodyPr wrap="none" rtlCol="0">
+            <a:spAutoFit/>
+          </a:bodyPr>
+          <a:lstStyle/>
+          <a:p>
+            <a:r>
+              <a:rPr lang="en-US" altLang="ko-KR" sz="2800" dirty="0">
+                <a:solidFill>
+                  <a:schemeClr val="bg1"/>
+                </a:solidFill>
+              </a:rPr>
+              <a:t>005</a:t>
+            </a:r>
+            <a:r>
+              <a:rPr lang="ko-KR" altLang="en-US" sz="2800" dirty="0">
+                <a:solidFill>
+                  <a:schemeClr val="bg1"/>
+                </a:solidFill>
+              </a:rPr>
+              <a:t>  </a:t>
+            </a:r>
+            <a:endParaRPr lang="en-US" altLang="ko-KR" sz="2800" dirty="0">
+              <a:solidFill>
+                <a:schemeClr val="bg1"/>
+              </a:solidFill>
+            </a:endParaRPr>
+          </a:p>
+          <a:p>
+            <a:r>
+              <a:rPr lang="ko-KR" altLang="en-US" sz="2800" dirty="0">
+                <a:solidFill>
+                  <a:schemeClr val="bg1"/>
+                </a:solidFill>
+              </a:rPr>
+              <a:t>타 게임과의 </a:t>
+            </a:r>
+            <a:endParaRPr lang="en-US" altLang="ko-KR" sz="2800" dirty="0">
+              <a:solidFill>
+                <a:schemeClr val="bg1"/>
+              </a:solidFill>
+            </a:endParaRPr>
+          </a:p>
+          <a:p>
+            <a:r>
+              <a:rPr lang="ko-KR" altLang="en-US" sz="2800" dirty="0">
+                <a:solidFill>
+                  <a:schemeClr val="bg1"/>
+                </a:solidFill>
+              </a:rPr>
+              <a:t>차별성</a:t>
+            </a:r>
+          </a:p>
+        </p:txBody>
+      </p:sp>
+      <p:cxnSp>
+        <p:nvCxnSpPr>
+          <p:cNvPr id="24" name="직선 연결선 23">
+            <a:extLst>
+              <a:ext uri="{FF2B5EF4-FFF2-40B4-BE49-F238E27FC236}">
+                <a16:creationId xmlns:a16="http://schemas.microsoft.com/office/drawing/2014/main" id="{1F3AD7B0-7AE4-4C8F-A251-88D99E364C1C}"/>
+              </a:ext>
+            </a:extLst>
+          </p:cNvPr>
+          <p:cNvCxnSpPr/>
+          <p:nvPr/>
+        </p:nvCxnSpPr>
+        <p:spPr>
+          <a:xfrm>
+            <a:off x="1216189" y="3726199"/>
+            <a:ext cx="2059864" cy="0"/>
+          </a:xfrm>
+          <a:prstGeom prst="line">
+            <a:avLst/>
+          </a:prstGeom>
+          <a:solidFill>
+            <a:schemeClr val="accent2"/>
+          </a:solidFill>
+          <a:ln>
+            <a:solidFill>
+              <a:schemeClr val="bg1"/>
+            </a:solidFill>
+            <a:prstDash val="dash"/>
+          </a:ln>
+        </p:spPr>
+        <p:style>
+          <a:lnRef idx="1">
+            <a:schemeClr val="accent1"/>
+          </a:lnRef>
+          <a:fillRef idx="0">
+            <a:schemeClr val="accent1"/>
+          </a:fillRef>
+          <a:effectRef idx="0">
+            <a:schemeClr val="accent1"/>
+          </a:effectRef>
+          <a:fontRef idx="minor">
+            <a:schemeClr val="tx1"/>
+          </a:fontRef>
+        </p:style>
+      </p:cxnSp>
+      <p:cxnSp>
+        <p:nvCxnSpPr>
+          <p:cNvPr id="25" name="직선 연결선 24">
+            <a:extLst>
+              <a:ext uri="{FF2B5EF4-FFF2-40B4-BE49-F238E27FC236}">
+                <a16:creationId xmlns:a16="http://schemas.microsoft.com/office/drawing/2014/main" id="{3878F000-5FCD-4F21-9A45-66298E3F391F}"/>
+              </a:ext>
+            </a:extLst>
+          </p:cNvPr>
+          <p:cNvCxnSpPr/>
+          <p:nvPr/>
+        </p:nvCxnSpPr>
+        <p:spPr>
+          <a:xfrm>
+            <a:off x="1216189" y="922439"/>
+            <a:ext cx="2059864" cy="0"/>
+          </a:xfrm>
+          <a:prstGeom prst="line">
+            <a:avLst/>
+          </a:prstGeom>
+          <a:solidFill>
+            <a:schemeClr val="accent2"/>
+          </a:solidFill>
+          <a:ln>
+            <a:solidFill>
+              <a:schemeClr val="bg1"/>
+            </a:solidFill>
+            <a:prstDash val="dash"/>
+          </a:ln>
+        </p:spPr>
+        <p:style>
+          <a:lnRef idx="1">
+            <a:schemeClr val="accent1"/>
+          </a:lnRef>
+          <a:fillRef idx="0">
+            <a:schemeClr val="accent1"/>
+          </a:fillRef>
+          <a:effectRef idx="0">
+            <a:schemeClr val="accent1"/>
+          </a:effectRef>
+          <a:fontRef idx="minor">
+            <a:schemeClr val="tx1"/>
+          </a:fontRef>
+        </p:style>
+      </p:cxnSp>
+      <p:sp>
+        <p:nvSpPr>
+          <p:cNvPr id="26" name="TextBox 25">
+            <a:extLst>
+              <a:ext uri="{FF2B5EF4-FFF2-40B4-BE49-F238E27FC236}">
+                <a16:creationId xmlns:a16="http://schemas.microsoft.com/office/drawing/2014/main" id="{E4C81855-0135-4729-833C-99D8F5592AA3}"/>
+              </a:ext>
+            </a:extLst>
+          </p:cNvPr>
+          <p:cNvSpPr txBox="1"/>
+          <p:nvPr/>
+        </p:nvSpPr>
+        <p:spPr>
+          <a:xfrm>
+            <a:off x="1216189" y="2448004"/>
+            <a:ext cx="827471" cy="584775"/>
+          </a:xfrm>
+          <a:prstGeom prst="rect">
+            <a:avLst/>
+          </a:prstGeom>
+          <a:noFill/>
+        </p:spPr>
+        <p:txBody>
+          <a:bodyPr wrap="none" rtlCol="0">
+            <a:spAutoFit/>
+          </a:bodyPr>
+          <a:lstStyle/>
+          <a:p>
+            <a:r>
+              <a:rPr lang="en-US" altLang="ko-KR" sz="3200" dirty="0">
+                <a:solidFill>
+                  <a:schemeClr val="bg1"/>
+                </a:solidFill>
+              </a:rPr>
+              <a:t>001</a:t>
+            </a:r>
+            <a:endParaRPr lang="ko-KR" altLang="en-US" sz="3200" dirty="0">
+              <a:solidFill>
+                <a:schemeClr val="bg1"/>
+              </a:solidFill>
+            </a:endParaRPr>
+          </a:p>
+        </p:txBody>
+      </p:sp>
+      <p:sp>
+        <p:nvSpPr>
+          <p:cNvPr id="27" name="TextBox 26">
+            <a:extLst>
+              <a:ext uri="{FF2B5EF4-FFF2-40B4-BE49-F238E27FC236}">
+                <a16:creationId xmlns:a16="http://schemas.microsoft.com/office/drawing/2014/main" id="{373EE3B6-7A74-4A2D-8FCD-03BC26DC7E71}"/>
+              </a:ext>
+            </a:extLst>
+          </p:cNvPr>
+          <p:cNvSpPr txBox="1"/>
+          <p:nvPr/>
+        </p:nvSpPr>
+        <p:spPr>
+          <a:xfrm>
+            <a:off x="1194709" y="3034877"/>
+            <a:ext cx="1826141" cy="584775"/>
+          </a:xfrm>
+          <a:prstGeom prst="rect">
+            <a:avLst/>
+          </a:prstGeom>
+          <a:noFill/>
+        </p:spPr>
+        <p:txBody>
+          <a:bodyPr wrap="none" rtlCol="0">
+            <a:spAutoFit/>
+          </a:bodyPr>
+          <a:lstStyle/>
+          <a:p>
+            <a:r>
+              <a:rPr lang="ko-KR" altLang="en-US" sz="3200" dirty="0">
+                <a:solidFill>
+                  <a:schemeClr val="bg1"/>
+                </a:solidFill>
+              </a:rPr>
+              <a:t>연구목적</a:t>
+            </a:r>
+          </a:p>
+        </p:txBody>
+      </p:sp>
+      <p:sp>
+        <p:nvSpPr>
+          <p:cNvPr id="28" name="오각형 7">
+            <a:extLst>
+              <a:ext uri="{FF2B5EF4-FFF2-40B4-BE49-F238E27FC236}">
+                <a16:creationId xmlns:a16="http://schemas.microsoft.com/office/drawing/2014/main" id="{DBA0FA34-90D2-4644-A92F-0324BFADADE0}"/>
+              </a:ext>
+            </a:extLst>
+          </p:cNvPr>
           <p:cNvSpPr/>
           <p:nvPr/>
         </p:nvSpPr>
         <p:spPr>
           <a:xfrm rot="5400000">
-            <a:off x="-780014" y="1846229"/>
+            <a:off x="-902571" y="1846229"/>
             <a:ext cx="6028661" cy="2336201"/>
           </a:xfrm>
           <a:prstGeom prst="homePlate">
@@ -5845,14 +6958,22 @@
       </p:sp>
       <p:cxnSp>
         <p:nvCxnSpPr>
-          <p:cNvPr id="9" name="직선 연결선 8"/>
-          <p:cNvCxnSpPr/>
+          <p:cNvPr id="29" name="직선 연결선 28">
+            <a:extLst>
+              <a:ext uri="{FF2B5EF4-FFF2-40B4-BE49-F238E27FC236}">
+                <a16:creationId xmlns:a16="http://schemas.microsoft.com/office/drawing/2014/main" id="{47D40540-60FF-49E0-AFC2-E1D00E2A7B8F}"/>
+              </a:ext>
+            </a:extLst>
+          </p:cNvPr>
+          <p:cNvCxnSpPr>
+            <a:cxnSpLocks/>
+          </p:cNvCxnSpPr>
           <p:nvPr/>
         </p:nvCxnSpPr>
         <p:spPr>
           <a:xfrm>
-            <a:off x="1216189" y="3726199"/>
-            <a:ext cx="2059864" cy="0"/>
+            <a:off x="943659" y="3715297"/>
+            <a:ext cx="2332394" cy="10902"/>
           </a:xfrm>
           <a:prstGeom prst="line">
             <a:avLst/>
@@ -5884,14 +7005,22 @@
       </p:cxnSp>
       <p:cxnSp>
         <p:nvCxnSpPr>
-          <p:cNvPr id="11" name="직선 연결선 10"/>
-          <p:cNvCxnSpPr/>
+          <p:cNvPr id="30" name="직선 연결선 29">
+            <a:extLst>
+              <a:ext uri="{FF2B5EF4-FFF2-40B4-BE49-F238E27FC236}">
+                <a16:creationId xmlns:a16="http://schemas.microsoft.com/office/drawing/2014/main" id="{9E1A4CDE-47C1-4091-8082-A936737A9224}"/>
+              </a:ext>
+            </a:extLst>
+          </p:cNvPr>
+          <p:cNvCxnSpPr>
+            <a:cxnSpLocks/>
+          </p:cNvCxnSpPr>
           <p:nvPr/>
         </p:nvCxnSpPr>
         <p:spPr>
           <a:xfrm>
-            <a:off x="1216189" y="922439"/>
-            <a:ext cx="2059864" cy="0"/>
+            <a:off x="943659" y="922439"/>
+            <a:ext cx="2332394" cy="0"/>
           </a:xfrm>
           <a:prstGeom prst="line">
             <a:avLst/>
@@ -5923,14 +7052,20 @@
       </p:cxnSp>
       <p:sp>
         <p:nvSpPr>
-          <p:cNvPr id="16" name="TextBox 15"/>
+          <p:cNvPr id="31" name="TextBox 30">
+            <a:extLst>
+              <a:ext uri="{FF2B5EF4-FFF2-40B4-BE49-F238E27FC236}">
+                <a16:creationId xmlns:a16="http://schemas.microsoft.com/office/drawing/2014/main" id="{C2BD2E06-26B8-41C0-A03E-4CC54F96CA08}"/>
+              </a:ext>
+            </a:extLst>
+          </p:cNvPr>
           <p:cNvSpPr txBox="1"/>
           <p:nvPr/>
         </p:nvSpPr>
         <p:spPr>
           <a:xfrm>
-            <a:off x="1135979" y="2062108"/>
-            <a:ext cx="867545" cy="584775"/>
+            <a:off x="960208" y="2347832"/>
+            <a:ext cx="2178802" cy="1384995"/>
           </a:xfrm>
           <a:prstGeom prst="rect">
             <a:avLst/>
@@ -5944,52 +7079,37 @@
           <a:lstStyle/>
           <a:p>
             <a:r>
-              <a:rPr lang="en-US" altLang="ko-KR" sz="3200" dirty="0">
+              <a:rPr lang="en-US" altLang="ko-KR" sz="2800" dirty="0">
                 <a:solidFill>
                   <a:schemeClr val="bg1"/>
                 </a:solidFill>
               </a:rPr>
               <a:t>005</a:t>
             </a:r>
-            <a:endParaRPr lang="ko-KR" altLang="en-US" sz="3200" dirty="0">
+            <a:r>
+              <a:rPr lang="ko-KR" altLang="en-US" sz="2800" dirty="0">
+                <a:solidFill>
+                  <a:schemeClr val="bg1"/>
+                </a:solidFill>
+              </a:rPr>
+              <a:t>  </a:t>
+            </a:r>
+            <a:endParaRPr lang="en-US" altLang="ko-KR" sz="2800" dirty="0">
               <a:solidFill>
                 <a:schemeClr val="bg1"/>
               </a:solidFill>
             </a:endParaRPr>
           </a:p>
-        </p:txBody>
-      </p:sp>
-      <p:sp>
-        <p:nvSpPr>
-          <p:cNvPr id="17" name="TextBox 16"/>
-          <p:cNvSpPr txBox="1"/>
-          <p:nvPr/>
-        </p:nvSpPr>
-        <p:spPr>
-          <a:xfrm>
-            <a:off x="1114499" y="2648981"/>
-            <a:ext cx="2350323" cy="1077218"/>
-          </a:xfrm>
-          <a:prstGeom prst="rect">
-            <a:avLst/>
-          </a:prstGeom>
-          <a:noFill/>
-        </p:spPr>
-        <p:txBody>
-          <a:bodyPr wrap="none" rtlCol="0">
-            <a:spAutoFit/>
-          </a:bodyPr>
-          <a:lstStyle/>
-          <a:p>
-            <a:r>
-              <a:rPr lang="ko-KR" altLang="en-US" sz="3200" dirty="0">
+          <a:p>
+            <a:r>
+              <a:rPr lang="ko-KR" altLang="en-US" sz="2800" dirty="0">
                 <a:solidFill>
                   <a:schemeClr val="bg1"/>
                 </a:solidFill>
               </a:rPr>
-              <a:t>타 게임과의</a:t>
-            </a:r>
-            <a:endParaRPr lang="en-US" altLang="ko-KR" sz="3200" dirty="0">
+              <a:t>타 게임과의 </a:t>
+            </a:r>
+            <a:endParaRPr lang="en-US" altLang="ko-KR" sz="2800" dirty="0">
               <a:solidFill>
                 <a:schemeClr val="bg1"/>
               </a:solidFill>
@@ -5997,7 +7117,7 @@
           </a:p>
           <a:p>
             <a:r>
-              <a:rPr lang="ko-KR" altLang="en-US" sz="3200" dirty="0">
+              <a:rPr lang="ko-KR" altLang="en-US" sz="2800" dirty="0">
                 <a:solidFill>
                   <a:schemeClr val="bg1"/>
                 </a:solidFill>
@@ -7472,277 +8592,16 @@
       </p:grpSpPr>
       <p:grpSp>
         <p:nvGrpSpPr>
-          <p:cNvPr id="17" name="그룹 16"/>
-          <p:cNvGrpSpPr/>
-          <p:nvPr/>
-        </p:nvGrpSpPr>
-        <p:grpSpPr>
-          <a:xfrm>
-            <a:off x="3314318" y="635343"/>
-            <a:ext cx="3435816" cy="5049264"/>
-            <a:chOff x="1525076" y="629591"/>
-            <a:chExt cx="3435816" cy="5049264"/>
-          </a:xfrm>
-        </p:grpSpPr>
-        <p:sp>
-          <p:nvSpPr>
-            <p:cNvPr id="18" name="TextBox 17"/>
-            <p:cNvSpPr txBox="1"/>
-            <p:nvPr/>
-          </p:nvSpPr>
-          <p:spPr>
-            <a:xfrm>
-              <a:off x="1525076" y="629591"/>
-              <a:ext cx="588624" cy="4937698"/>
-            </a:xfrm>
-            <a:prstGeom prst="rect">
-              <a:avLst/>
-            </a:prstGeom>
-            <a:noFill/>
-          </p:spPr>
-          <p:txBody>
-            <a:bodyPr wrap="none" rtlCol="0" anchor="ctr">
-              <a:spAutoFit/>
-            </a:bodyPr>
-            <a:lstStyle/>
-            <a:p>
-              <a:pPr algn="r">
-                <a:lnSpc>
-                  <a:spcPct val="360000"/>
-                </a:lnSpc>
-              </a:pPr>
-              <a:r>
-                <a:rPr lang="en-US" altLang="ko-KR" sz="2300" b="1" spc="300" dirty="0">
-                  <a:solidFill>
-                    <a:schemeClr val="bg1"/>
-                  </a:solidFill>
-                </a:rPr>
-                <a:t>01</a:t>
-              </a:r>
-            </a:p>
-            <a:p>
-              <a:pPr algn="r">
-                <a:lnSpc>
-                  <a:spcPct val="360000"/>
-                </a:lnSpc>
-              </a:pPr>
-              <a:r>
-                <a:rPr lang="en-US" altLang="ko-KR" sz="2300" b="1" dirty="0">
-                  <a:solidFill>
-                    <a:schemeClr val="bg1"/>
-                  </a:solidFill>
-                </a:rPr>
-                <a:t>02</a:t>
-              </a:r>
-            </a:p>
-            <a:p>
-              <a:pPr algn="r">
-                <a:lnSpc>
-                  <a:spcPct val="360000"/>
-                </a:lnSpc>
-              </a:pPr>
-              <a:r>
-                <a:rPr lang="en-US" altLang="ko-KR" sz="2300" b="1" dirty="0">
-                  <a:solidFill>
-                    <a:schemeClr val="bg1"/>
-                  </a:solidFill>
-                </a:rPr>
-                <a:t>03</a:t>
-              </a:r>
-            </a:p>
-            <a:p>
-              <a:pPr algn="r">
-                <a:lnSpc>
-                  <a:spcPct val="360000"/>
-                </a:lnSpc>
-              </a:pPr>
-              <a:r>
-                <a:rPr lang="en-US" altLang="ko-KR" sz="2300" b="1" dirty="0">
-                  <a:solidFill>
-                    <a:schemeClr val="bg1"/>
-                  </a:solidFill>
-                </a:rPr>
-                <a:t>04</a:t>
-              </a:r>
-              <a:endParaRPr lang="ko-KR" altLang="en-US" sz="2300" b="1" dirty="0">
-                <a:solidFill>
-                  <a:schemeClr val="bg1"/>
-                </a:solidFill>
-              </a:endParaRPr>
-            </a:p>
-          </p:txBody>
-        </p:sp>
-        <p:sp>
-          <p:nvSpPr>
-            <p:cNvPr id="21" name="TextBox 20"/>
-            <p:cNvSpPr txBox="1"/>
-            <p:nvPr/>
-          </p:nvSpPr>
-          <p:spPr>
-            <a:xfrm>
-              <a:off x="2049518" y="1236517"/>
-              <a:ext cx="1031051" cy="369332"/>
-            </a:xfrm>
-            <a:prstGeom prst="rect">
-              <a:avLst/>
-            </a:prstGeom>
-            <a:noFill/>
-          </p:spPr>
-          <p:txBody>
-            <a:bodyPr wrap="none" rtlCol="0">
-              <a:spAutoFit/>
-            </a:bodyPr>
-            <a:lstStyle/>
-            <a:p>
-              <a:r>
-                <a:rPr lang="ko-KR" altLang="en-US" spc="-150" dirty="0">
-                  <a:solidFill>
-                    <a:schemeClr val="bg1"/>
-                  </a:solidFill>
-                  <a:latin typeface="+mj-ea"/>
-                  <a:ea typeface="+mj-ea"/>
-                </a:rPr>
-                <a:t>연구목적</a:t>
-              </a:r>
-            </a:p>
-          </p:txBody>
-        </p:sp>
-        <p:sp>
-          <p:nvSpPr>
-            <p:cNvPr id="23" name="TextBox 22"/>
-            <p:cNvSpPr txBox="1"/>
-            <p:nvPr/>
-          </p:nvSpPr>
-          <p:spPr>
-            <a:xfrm>
-              <a:off x="2049518" y="2505336"/>
-              <a:ext cx="1790875" cy="369332"/>
-            </a:xfrm>
-            <a:prstGeom prst="rect">
-              <a:avLst/>
-            </a:prstGeom>
-            <a:noFill/>
-          </p:spPr>
-          <p:txBody>
-            <a:bodyPr wrap="none" rtlCol="0">
-              <a:spAutoFit/>
-            </a:bodyPr>
-            <a:lstStyle/>
-            <a:p>
-              <a:r>
-                <a:rPr lang="ko-KR" altLang="en-US" spc="-150" dirty="0">
-                  <a:solidFill>
-                    <a:schemeClr val="bg1"/>
-                  </a:solidFill>
-                  <a:latin typeface="+mj-ea"/>
-                  <a:ea typeface="+mj-ea"/>
-                </a:rPr>
-                <a:t>게임소개 및 방법</a:t>
-              </a:r>
-            </a:p>
-          </p:txBody>
-        </p:sp>
-        <p:sp>
-          <p:nvSpPr>
-            <p:cNvPr id="24" name="TextBox 23"/>
-            <p:cNvSpPr txBox="1"/>
-            <p:nvPr/>
-          </p:nvSpPr>
-          <p:spPr>
-            <a:xfrm>
-              <a:off x="2049518" y="3768930"/>
-              <a:ext cx="1031051" cy="369332"/>
-            </a:xfrm>
-            <a:prstGeom prst="rect">
-              <a:avLst/>
-            </a:prstGeom>
-            <a:noFill/>
-          </p:spPr>
-          <p:txBody>
-            <a:bodyPr wrap="none" rtlCol="0">
-              <a:spAutoFit/>
-            </a:bodyPr>
-            <a:lstStyle/>
-            <a:p>
-              <a:r>
-                <a:rPr lang="ko-KR" altLang="en-US" spc="-150" dirty="0">
-                  <a:solidFill>
-                    <a:schemeClr val="bg1"/>
-                  </a:solidFill>
-                  <a:latin typeface="+mj-ea"/>
-                  <a:ea typeface="+mj-ea"/>
-                </a:rPr>
-                <a:t>개발환경</a:t>
-              </a:r>
-            </a:p>
-          </p:txBody>
-        </p:sp>
-        <p:sp>
-          <p:nvSpPr>
-            <p:cNvPr id="25" name="TextBox 24"/>
-            <p:cNvSpPr txBox="1"/>
-            <p:nvPr/>
-          </p:nvSpPr>
-          <p:spPr>
-            <a:xfrm>
-              <a:off x="2049518" y="5032524"/>
-              <a:ext cx="2911374" cy="646331"/>
-            </a:xfrm>
-            <a:prstGeom prst="rect">
-              <a:avLst/>
-            </a:prstGeom>
-            <a:noFill/>
-          </p:spPr>
-          <p:txBody>
-            <a:bodyPr wrap="none" rtlCol="0">
-              <a:spAutoFit/>
-            </a:bodyPr>
-            <a:lstStyle/>
-            <a:p>
-              <a:r>
-                <a:rPr lang="ko-KR" altLang="en-US" spc="-150" dirty="0">
-                  <a:solidFill>
-                    <a:schemeClr val="bg1"/>
-                  </a:solidFill>
-                  <a:latin typeface="+mj-ea"/>
-                  <a:ea typeface="+mj-ea"/>
-                </a:rPr>
-                <a:t>기술적요소 및 </a:t>
-              </a:r>
-              <a:r>
-                <a:rPr lang="ko-KR" altLang="en-US" spc="-150" dirty="0">
-                  <a:solidFill>
-                    <a:schemeClr val="bg1"/>
-                  </a:solidFill>
-                  <a:latin typeface="+mj-ea"/>
-                </a:rPr>
-                <a:t>중점 연구분야</a:t>
-              </a:r>
-            </a:p>
-            <a:p>
-              <a:endParaRPr lang="ko-KR" altLang="en-US" spc="-150" dirty="0">
-                <a:solidFill>
-                  <a:schemeClr val="bg1"/>
-                </a:solidFill>
-                <a:latin typeface="+mj-ea"/>
-                <a:ea typeface="+mj-ea"/>
-              </a:endParaRPr>
-            </a:p>
-          </p:txBody>
-        </p:sp>
-      </p:grpSp>
-      <p:grpSp>
-        <p:nvGrpSpPr>
           <p:cNvPr id="31" name="그룹 30"/>
           <p:cNvGrpSpPr/>
           <p:nvPr/>
         </p:nvGrpSpPr>
         <p:grpSpPr>
           <a:xfrm flipH="1">
-            <a:off x="11374568" y="0"/>
-            <a:ext cx="579033" cy="1227831"/>
+            <a:off x="11374154" y="0"/>
+            <a:ext cx="579447" cy="1227831"/>
             <a:chOff x="1066216" y="-1"/>
-            <a:chExt cx="2336201" cy="4953878"/>
+            <a:chExt cx="2337872" cy="4953878"/>
           </a:xfrm>
           <a:effectLst>
             <a:outerShdw dist="12700" dir="2700000" algn="tl" rotWithShape="0">
@@ -7762,9 +8621,9 @@
           <p:grpSpPr>
             <a:xfrm>
               <a:off x="1066216" y="-1"/>
-              <a:ext cx="2336201" cy="4953878"/>
+              <a:ext cx="2337872" cy="4953878"/>
               <a:chOff x="662180" y="-1"/>
-              <a:chExt cx="1884872" cy="4242180"/>
+              <a:chExt cx="1886220" cy="4242180"/>
             </a:xfrm>
             <a:solidFill>
               <a:schemeClr val="accent2"/>
@@ -7854,13 +8713,15 @@
           <p:cxnSp>
             <p:nvCxnSpPr>
               <p:cNvPr id="38" name="직선 연결선 37"/>
-              <p:cNvCxnSpPr/>
+              <p:cNvCxnSpPr>
+                <a:cxnSpLocks/>
+              </p:cNvCxnSpPr>
               <p:nvPr/>
             </p:nvCxnSpPr>
             <p:spPr>
               <a:xfrm>
-                <a:off x="793708" y="710870"/>
-                <a:ext cx="1661920" cy="0"/>
+                <a:off x="793710" y="710869"/>
+                <a:ext cx="1754690" cy="0"/>
               </a:xfrm>
               <a:prstGeom prst="line">
                 <a:avLst/>
@@ -8000,191 +8861,335 @@
           </a:fontRef>
         </p:style>
       </p:cxnSp>
-      <p:grpSp>
-        <p:nvGrpSpPr>
-          <p:cNvPr id="22" name="그룹 21">
+      <p:sp>
+        <p:nvSpPr>
+          <p:cNvPr id="27" name="TextBox 26">
             <a:extLst>
               <a:ext uri="{FF2B5EF4-FFF2-40B4-BE49-F238E27FC236}">
-                <a16:creationId xmlns:a16="http://schemas.microsoft.com/office/drawing/2014/main" id="{2F113122-C3B9-43FD-AC93-7E6CCF7A07D6}"/>
+                <a16:creationId xmlns:a16="http://schemas.microsoft.com/office/drawing/2014/main" id="{9CAD9E34-CAE9-42D8-85E1-7F6EF5913EC2}"/>
               </a:ext>
             </a:extLst>
           </p:cNvPr>
-          <p:cNvGrpSpPr/>
-          <p:nvPr/>
-        </p:nvGrpSpPr>
-        <p:grpSpPr>
-          <a:xfrm>
-            <a:off x="7714642" y="666184"/>
-            <a:ext cx="2526912" cy="4937698"/>
-            <a:chOff x="1525077" y="629591"/>
-            <a:chExt cx="2526912" cy="4937698"/>
-          </a:xfrm>
-        </p:grpSpPr>
-        <p:sp>
-          <p:nvSpPr>
-            <p:cNvPr id="26" name="TextBox 25">
-              <a:extLst>
-                <a:ext uri="{FF2B5EF4-FFF2-40B4-BE49-F238E27FC236}">
-                  <a16:creationId xmlns:a16="http://schemas.microsoft.com/office/drawing/2014/main" id="{731FB948-C30F-489D-8D01-448A69CFB0E3}"/>
-                </a:ext>
-              </a:extLst>
-            </p:cNvPr>
-            <p:cNvSpPr txBox="1"/>
-            <p:nvPr/>
-          </p:nvSpPr>
-          <p:spPr>
-            <a:xfrm>
-              <a:off x="1525077" y="629591"/>
-              <a:ext cx="588623" cy="4937698"/>
-            </a:xfrm>
-            <a:prstGeom prst="rect">
-              <a:avLst/>
-            </a:prstGeom>
-            <a:noFill/>
-          </p:spPr>
-          <p:txBody>
-            <a:bodyPr wrap="none" rtlCol="0" anchor="ctr">
-              <a:spAutoFit/>
-            </a:bodyPr>
-            <a:lstStyle/>
-            <a:p>
-              <a:pPr algn="r">
-                <a:lnSpc>
-                  <a:spcPct val="360000"/>
-                </a:lnSpc>
-              </a:pPr>
-              <a:r>
-                <a:rPr lang="en-US" altLang="ko-KR" sz="2300" b="1" spc="300" dirty="0">
-                  <a:solidFill>
-                    <a:schemeClr val="bg1"/>
-                  </a:solidFill>
-                </a:rPr>
-                <a:t>05</a:t>
-              </a:r>
-            </a:p>
-            <a:p>
-              <a:pPr algn="r">
-                <a:lnSpc>
-                  <a:spcPct val="360000"/>
-                </a:lnSpc>
-              </a:pPr>
-              <a:r>
-                <a:rPr lang="en-US" altLang="ko-KR" sz="2300" b="1" dirty="0">
-                  <a:solidFill>
-                    <a:schemeClr val="bg1"/>
-                  </a:solidFill>
-                </a:rPr>
-                <a:t>06</a:t>
-              </a:r>
-            </a:p>
-            <a:p>
-              <a:pPr algn="r">
-                <a:lnSpc>
-                  <a:spcPct val="360000"/>
-                </a:lnSpc>
-              </a:pPr>
-              <a:endParaRPr lang="en-US" altLang="ko-KR" sz="2300" b="1" dirty="0">
+          <p:cNvSpPr txBox="1"/>
+          <p:nvPr/>
+        </p:nvSpPr>
+        <p:spPr>
+          <a:xfrm>
+            <a:off x="1" y="1752126"/>
+            <a:ext cx="12192000" cy="5093702"/>
+          </a:xfrm>
+          <a:prstGeom prst="rect">
+            <a:avLst/>
+          </a:prstGeom>
+          <a:noFill/>
+        </p:spPr>
+        <p:txBody>
+          <a:bodyPr wrap="square" rtlCol="0">
+            <a:spAutoFit/>
+          </a:bodyPr>
+          <a:lstStyle/>
+          <a:p>
+            <a:pPr algn="ctr"/>
+            <a:r>
+              <a:rPr lang="en-US" altLang="ko-KR" sz="2500" b="1" dirty="0">
                 <a:solidFill>
                   <a:schemeClr val="bg1"/>
                 </a:solidFill>
-              </a:endParaRPr>
-            </a:p>
-            <a:p>
-              <a:pPr algn="r">
-                <a:lnSpc>
-                  <a:spcPct val="360000"/>
-                </a:lnSpc>
-              </a:pPr>
-              <a:endParaRPr lang="ko-KR" altLang="en-US" sz="2300" b="1" dirty="0">
+                <a:latin typeface="+mn-ea"/>
+              </a:rPr>
+              <a:t>01</a:t>
+            </a:r>
+            <a:r>
+              <a:rPr lang="en-US" altLang="ko-KR" sz="2500" dirty="0">
                 <a:solidFill>
                   <a:schemeClr val="bg1"/>
                 </a:solidFill>
-              </a:endParaRPr>
-            </a:p>
-          </p:txBody>
-        </p:sp>
-        <p:sp>
-          <p:nvSpPr>
-            <p:cNvPr id="40" name="TextBox 39">
-              <a:extLst>
-                <a:ext uri="{FF2B5EF4-FFF2-40B4-BE49-F238E27FC236}">
-                  <a16:creationId xmlns:a16="http://schemas.microsoft.com/office/drawing/2014/main" id="{32393573-BC2A-4A6A-9D1E-3019BAF689B1}"/>
-                </a:ext>
-              </a:extLst>
-            </p:cNvPr>
-            <p:cNvSpPr txBox="1"/>
-            <p:nvPr/>
-          </p:nvSpPr>
-          <p:spPr>
-            <a:xfrm>
-              <a:off x="2049518" y="1236517"/>
-              <a:ext cx="2002471" cy="369332"/>
-            </a:xfrm>
-            <a:prstGeom prst="rect">
-              <a:avLst/>
-            </a:prstGeom>
-            <a:noFill/>
-          </p:spPr>
-          <p:txBody>
-            <a:bodyPr wrap="none" rtlCol="0">
-              <a:spAutoFit/>
-            </a:bodyPr>
-            <a:lstStyle/>
-            <a:p>
-              <a:r>
-                <a:rPr lang="ko-KR" altLang="en-US" spc="-150" dirty="0">
-                  <a:solidFill>
-                    <a:schemeClr val="bg1"/>
-                  </a:solidFill>
-                  <a:latin typeface="+mj-ea"/>
-                  <a:ea typeface="+mj-ea"/>
-                </a:rPr>
-                <a:t>타 게임과의 차별성</a:t>
-              </a:r>
-            </a:p>
-          </p:txBody>
-        </p:sp>
-        <p:sp>
-          <p:nvSpPr>
-            <p:cNvPr id="41" name="TextBox 40">
-              <a:extLst>
-                <a:ext uri="{FF2B5EF4-FFF2-40B4-BE49-F238E27FC236}">
-                  <a16:creationId xmlns:a16="http://schemas.microsoft.com/office/drawing/2014/main" id="{2DAB0EFD-384E-4BE1-93B9-8258F6885C21}"/>
-                </a:ext>
-              </a:extLst>
-            </p:cNvPr>
-            <p:cNvSpPr txBox="1"/>
-            <p:nvPr/>
-          </p:nvSpPr>
-          <p:spPr>
-            <a:xfrm>
-              <a:off x="2049518" y="2505336"/>
-              <a:ext cx="1790875" cy="369332"/>
-            </a:xfrm>
-            <a:prstGeom prst="rect">
-              <a:avLst/>
-            </a:prstGeom>
-            <a:noFill/>
-          </p:spPr>
-          <p:txBody>
-            <a:bodyPr wrap="none" rtlCol="0">
-              <a:spAutoFit/>
-            </a:bodyPr>
-            <a:lstStyle/>
-            <a:p>
-              <a:r>
-                <a:rPr lang="ko-KR" altLang="en-US" spc="-150" dirty="0">
-                  <a:solidFill>
-                    <a:schemeClr val="bg1"/>
-                  </a:solidFill>
-                  <a:latin typeface="+mj-ea"/>
-                </a:rPr>
-                <a:t>역할분담 및 일정</a:t>
-              </a:r>
-            </a:p>
-          </p:txBody>
-        </p:sp>
-      </p:grpSp>
+                <a:latin typeface="+mn-ea"/>
+              </a:rPr>
+              <a:t> </a:t>
+            </a:r>
+            <a:r>
+              <a:rPr lang="ko-KR" altLang="en-US" sz="2500" dirty="0">
+                <a:solidFill>
+                  <a:schemeClr val="bg1"/>
+                </a:solidFill>
+                <a:latin typeface="+mn-ea"/>
+              </a:rPr>
+              <a:t>연구목적</a:t>
+            </a:r>
+            <a:endParaRPr lang="en-US" altLang="ko-KR" sz="2500" dirty="0">
+              <a:solidFill>
+                <a:schemeClr val="bg1"/>
+              </a:solidFill>
+              <a:latin typeface="+mn-ea"/>
+            </a:endParaRPr>
+          </a:p>
+          <a:p>
+            <a:pPr algn="ctr"/>
+            <a:endParaRPr lang="en-US" altLang="ko-KR" sz="2500" dirty="0">
+              <a:solidFill>
+                <a:schemeClr val="bg1"/>
+              </a:solidFill>
+              <a:latin typeface="+mn-ea"/>
+            </a:endParaRPr>
+          </a:p>
+          <a:p>
+            <a:pPr algn="ctr"/>
+            <a:r>
+              <a:rPr lang="en-US" altLang="ko-KR" sz="2500" b="1" dirty="0">
+                <a:solidFill>
+                  <a:schemeClr val="bg1"/>
+                </a:solidFill>
+                <a:latin typeface="+mn-ea"/>
+              </a:rPr>
+              <a:t>02</a:t>
+            </a:r>
+            <a:r>
+              <a:rPr lang="en-US" altLang="ko-KR" sz="2500" dirty="0">
+                <a:solidFill>
+                  <a:schemeClr val="bg1"/>
+                </a:solidFill>
+                <a:latin typeface="+mn-ea"/>
+              </a:rPr>
+              <a:t> </a:t>
+            </a:r>
+            <a:r>
+              <a:rPr lang="ko-KR" altLang="en-US" sz="2500" dirty="0">
+                <a:solidFill>
+                  <a:schemeClr val="bg1"/>
+                </a:solidFill>
+                <a:latin typeface="+mn-ea"/>
+              </a:rPr>
+              <a:t>게임소개 및 게임방법</a:t>
+            </a:r>
+            <a:endParaRPr lang="en-US" altLang="ko-KR" sz="2500" dirty="0">
+              <a:solidFill>
+                <a:schemeClr val="bg1"/>
+              </a:solidFill>
+              <a:latin typeface="+mn-ea"/>
+            </a:endParaRPr>
+          </a:p>
+          <a:p>
+            <a:pPr algn="ctr"/>
+            <a:endParaRPr lang="en-US" altLang="ko-KR" sz="2500" dirty="0">
+              <a:solidFill>
+                <a:schemeClr val="bg1"/>
+              </a:solidFill>
+              <a:latin typeface="+mn-ea"/>
+            </a:endParaRPr>
+          </a:p>
+          <a:p>
+            <a:pPr algn="ctr"/>
+            <a:r>
+              <a:rPr lang="en-US" altLang="ko-KR" sz="2500" b="1" dirty="0">
+                <a:solidFill>
+                  <a:schemeClr val="bg1"/>
+                </a:solidFill>
+                <a:latin typeface="+mn-ea"/>
+              </a:rPr>
+              <a:t>03</a:t>
+            </a:r>
+            <a:r>
+              <a:rPr lang="en-US" altLang="ko-KR" sz="2500" dirty="0">
+                <a:solidFill>
+                  <a:schemeClr val="bg1"/>
+                </a:solidFill>
+                <a:latin typeface="+mn-ea"/>
+              </a:rPr>
+              <a:t> </a:t>
+            </a:r>
+            <a:r>
+              <a:rPr lang="ko-KR" altLang="en-US" sz="2500" dirty="0">
+                <a:solidFill>
+                  <a:schemeClr val="bg1"/>
+                </a:solidFill>
+                <a:latin typeface="+mn-ea"/>
+              </a:rPr>
+              <a:t>개발환경</a:t>
+            </a:r>
+            <a:endParaRPr lang="en-US" altLang="ko-KR" sz="2500" dirty="0">
+              <a:solidFill>
+                <a:schemeClr val="bg1"/>
+              </a:solidFill>
+              <a:latin typeface="+mn-ea"/>
+            </a:endParaRPr>
+          </a:p>
+          <a:p>
+            <a:pPr algn="ctr"/>
+            <a:endParaRPr lang="en-US" altLang="ko-KR" sz="2500" dirty="0">
+              <a:solidFill>
+                <a:schemeClr val="bg1"/>
+              </a:solidFill>
+              <a:latin typeface="+mn-ea"/>
+            </a:endParaRPr>
+          </a:p>
+          <a:p>
+            <a:pPr algn="ctr"/>
+            <a:r>
+              <a:rPr lang="en-US" altLang="ko-KR" sz="2500" b="1" dirty="0">
+                <a:solidFill>
+                  <a:schemeClr val="bg1"/>
+                </a:solidFill>
+                <a:latin typeface="+mn-ea"/>
+              </a:rPr>
+              <a:t>04</a:t>
+            </a:r>
+            <a:r>
+              <a:rPr lang="en-US" altLang="ko-KR" sz="2500" dirty="0">
+                <a:solidFill>
+                  <a:schemeClr val="bg1"/>
+                </a:solidFill>
+                <a:latin typeface="+mn-ea"/>
+              </a:rPr>
+              <a:t> </a:t>
+            </a:r>
+            <a:r>
+              <a:rPr lang="ko-KR" altLang="en-US" sz="2500" dirty="0">
+                <a:solidFill>
+                  <a:schemeClr val="bg1"/>
+                </a:solidFill>
+                <a:latin typeface="+mn-ea"/>
+              </a:rPr>
+              <a:t>기술적요소</a:t>
+            </a:r>
+            <a:endParaRPr lang="en-US" altLang="ko-KR" sz="2500" dirty="0">
+              <a:solidFill>
+                <a:schemeClr val="bg1"/>
+              </a:solidFill>
+              <a:latin typeface="+mn-ea"/>
+            </a:endParaRPr>
+          </a:p>
+          <a:p>
+            <a:pPr algn="ctr"/>
+            <a:endParaRPr lang="en-US" altLang="ko-KR" sz="2500" dirty="0">
+              <a:solidFill>
+                <a:schemeClr val="bg1"/>
+              </a:solidFill>
+              <a:latin typeface="+mn-ea"/>
+            </a:endParaRPr>
+          </a:p>
+          <a:p>
+            <a:pPr algn="ctr"/>
+            <a:r>
+              <a:rPr lang="en-US" altLang="ko-KR" sz="2500" b="1" dirty="0">
+                <a:solidFill>
+                  <a:schemeClr val="bg1"/>
+                </a:solidFill>
+                <a:latin typeface="+mn-ea"/>
+              </a:rPr>
+              <a:t>05</a:t>
+            </a:r>
+            <a:r>
+              <a:rPr lang="en-US" altLang="ko-KR" sz="2500" dirty="0">
+                <a:solidFill>
+                  <a:schemeClr val="bg1"/>
+                </a:solidFill>
+                <a:latin typeface="+mn-ea"/>
+              </a:rPr>
+              <a:t> </a:t>
+            </a:r>
+            <a:r>
+              <a:rPr lang="ko-KR" altLang="en-US" sz="2500" dirty="0">
+                <a:solidFill>
+                  <a:schemeClr val="bg1"/>
+                </a:solidFill>
+                <a:latin typeface="+mn-ea"/>
+              </a:rPr>
+              <a:t>타 게임과의 차별성</a:t>
+            </a:r>
+            <a:endParaRPr lang="en-US" altLang="ko-KR" sz="2500" dirty="0">
+              <a:solidFill>
+                <a:schemeClr val="bg1"/>
+              </a:solidFill>
+              <a:latin typeface="+mn-ea"/>
+            </a:endParaRPr>
+          </a:p>
+          <a:p>
+            <a:pPr algn="ctr"/>
+            <a:endParaRPr lang="en-US" altLang="ko-KR" sz="2500" dirty="0">
+              <a:solidFill>
+                <a:schemeClr val="bg1"/>
+              </a:solidFill>
+              <a:latin typeface="+mn-ea"/>
+            </a:endParaRPr>
+          </a:p>
+          <a:p>
+            <a:pPr algn="ctr"/>
+            <a:r>
+              <a:rPr lang="en-US" altLang="ko-KR" sz="2500" b="1" dirty="0">
+                <a:solidFill>
+                  <a:schemeClr val="bg1"/>
+                </a:solidFill>
+                <a:latin typeface="+mn-ea"/>
+              </a:rPr>
+              <a:t>06</a:t>
+            </a:r>
+            <a:r>
+              <a:rPr lang="en-US" altLang="ko-KR" sz="2500" dirty="0">
+                <a:solidFill>
+                  <a:schemeClr val="bg1"/>
+                </a:solidFill>
+                <a:latin typeface="+mn-ea"/>
+              </a:rPr>
+              <a:t> </a:t>
+            </a:r>
+            <a:r>
+              <a:rPr lang="ko-KR" altLang="en-US" sz="2500" dirty="0">
+                <a:solidFill>
+                  <a:schemeClr val="bg1"/>
+                </a:solidFill>
+                <a:latin typeface="+mn-ea"/>
+              </a:rPr>
+              <a:t>역할분담 및 개발일정</a:t>
+            </a:r>
+            <a:endParaRPr lang="en-US" altLang="ko-KR" sz="2500" dirty="0">
+              <a:solidFill>
+                <a:schemeClr val="bg1"/>
+              </a:solidFill>
+              <a:latin typeface="+mn-ea"/>
+            </a:endParaRPr>
+          </a:p>
+          <a:p>
+            <a:pPr algn="ctr"/>
+            <a:endParaRPr lang="en-US" altLang="ko-KR" sz="2500" dirty="0">
+              <a:solidFill>
+                <a:schemeClr val="bg1"/>
+              </a:solidFill>
+              <a:latin typeface="+mn-ea"/>
+            </a:endParaRPr>
+          </a:p>
+          <a:p>
+            <a:pPr algn="ctr"/>
+            <a:r>
+              <a:rPr lang="en-US" altLang="ko-KR" sz="2500" b="1" dirty="0">
+                <a:solidFill>
+                  <a:schemeClr val="bg1"/>
+                </a:solidFill>
+                <a:latin typeface="+mn-ea"/>
+              </a:rPr>
+              <a:t>07</a:t>
+            </a:r>
+            <a:r>
+              <a:rPr lang="en-US" altLang="ko-KR" sz="2500" dirty="0">
+                <a:solidFill>
+                  <a:schemeClr val="bg1"/>
+                </a:solidFill>
+                <a:latin typeface="+mn-ea"/>
+              </a:rPr>
+              <a:t> </a:t>
+            </a:r>
+            <a:r>
+              <a:rPr lang="ko-KR" altLang="en-US" sz="2500" dirty="0">
+                <a:solidFill>
+                  <a:schemeClr val="bg1"/>
+                </a:solidFill>
+                <a:latin typeface="+mn-ea"/>
+              </a:rPr>
+              <a:t>참고 문헌</a:t>
+            </a:r>
+          </a:p>
+        </p:txBody>
+      </p:sp>
     </p:spTree>
     <p:extLst>
       <p:ext uri="{BB962C8B-B14F-4D97-AF65-F5344CB8AC3E}">
@@ -8215,15 +9220,459 @@
           <a:chExt cx="0" cy="0"/>
         </a:xfrm>
       </p:grpSpPr>
+      <p:cxnSp>
+        <p:nvCxnSpPr>
+          <p:cNvPr id="7" name="직선 연결선 6">
+            <a:extLst>
+              <a:ext uri="{FF2B5EF4-FFF2-40B4-BE49-F238E27FC236}">
+                <a16:creationId xmlns:a16="http://schemas.microsoft.com/office/drawing/2014/main" id="{19F6FA71-448C-4762-AE5F-99B3E2494741}"/>
+              </a:ext>
+            </a:extLst>
+          </p:cNvPr>
+          <p:cNvCxnSpPr/>
+          <p:nvPr/>
+        </p:nvCxnSpPr>
+        <p:spPr>
+          <a:xfrm>
+            <a:off x="1216189" y="3726199"/>
+            <a:ext cx="2059864" cy="0"/>
+          </a:xfrm>
+          <a:prstGeom prst="line">
+            <a:avLst/>
+          </a:prstGeom>
+          <a:solidFill>
+            <a:schemeClr val="accent2"/>
+          </a:solidFill>
+          <a:ln>
+            <a:solidFill>
+              <a:schemeClr val="bg1"/>
+            </a:solidFill>
+            <a:prstDash val="dash"/>
+          </a:ln>
+        </p:spPr>
+        <p:style>
+          <a:lnRef idx="1">
+            <a:schemeClr val="accent1"/>
+          </a:lnRef>
+          <a:fillRef idx="0">
+            <a:schemeClr val="accent1"/>
+          </a:fillRef>
+          <a:effectRef idx="0">
+            <a:schemeClr val="accent1"/>
+          </a:effectRef>
+          <a:fontRef idx="minor">
+            <a:schemeClr val="tx1"/>
+          </a:fontRef>
+        </p:style>
+      </p:cxnSp>
+      <p:cxnSp>
+        <p:nvCxnSpPr>
+          <p:cNvPr id="10" name="직선 연결선 9">
+            <a:extLst>
+              <a:ext uri="{FF2B5EF4-FFF2-40B4-BE49-F238E27FC236}">
+                <a16:creationId xmlns:a16="http://schemas.microsoft.com/office/drawing/2014/main" id="{7505C408-A882-4083-AE2A-5877D9B5FD78}"/>
+              </a:ext>
+            </a:extLst>
+          </p:cNvPr>
+          <p:cNvCxnSpPr/>
+          <p:nvPr/>
+        </p:nvCxnSpPr>
+        <p:spPr>
+          <a:xfrm>
+            <a:off x="1216189" y="922439"/>
+            <a:ext cx="2059864" cy="0"/>
+          </a:xfrm>
+          <a:prstGeom prst="line">
+            <a:avLst/>
+          </a:prstGeom>
+          <a:solidFill>
+            <a:schemeClr val="accent2"/>
+          </a:solidFill>
+          <a:ln>
+            <a:solidFill>
+              <a:schemeClr val="bg1"/>
+            </a:solidFill>
+            <a:prstDash val="dash"/>
+          </a:ln>
+        </p:spPr>
+        <p:style>
+          <a:lnRef idx="1">
+            <a:schemeClr val="accent1"/>
+          </a:lnRef>
+          <a:fillRef idx="0">
+            <a:schemeClr val="accent1"/>
+          </a:fillRef>
+          <a:effectRef idx="0">
+            <a:schemeClr val="accent1"/>
+          </a:effectRef>
+          <a:fontRef idx="minor">
+            <a:schemeClr val="tx1"/>
+          </a:fontRef>
+        </p:style>
+      </p:cxnSp>
       <p:sp>
         <p:nvSpPr>
-          <p:cNvPr id="8" name="오각형 7"/>
+          <p:cNvPr id="12" name="TextBox 11">
+            <a:extLst>
+              <a:ext uri="{FF2B5EF4-FFF2-40B4-BE49-F238E27FC236}">
+                <a16:creationId xmlns:a16="http://schemas.microsoft.com/office/drawing/2014/main" id="{4D378E31-7698-4D23-B77F-9CC6823E37FC}"/>
+              </a:ext>
+            </a:extLst>
+          </p:cNvPr>
+          <p:cNvSpPr txBox="1"/>
+          <p:nvPr/>
+        </p:nvSpPr>
+        <p:spPr>
+          <a:xfrm>
+            <a:off x="1135979" y="2062108"/>
+            <a:ext cx="867545" cy="584775"/>
+          </a:xfrm>
+          <a:prstGeom prst="rect">
+            <a:avLst/>
+          </a:prstGeom>
+          <a:noFill/>
+        </p:spPr>
+        <p:txBody>
+          <a:bodyPr wrap="none" rtlCol="0">
+            <a:spAutoFit/>
+          </a:bodyPr>
+          <a:lstStyle/>
+          <a:p>
+            <a:r>
+              <a:rPr lang="en-US" altLang="ko-KR" sz="3200" dirty="0">
+                <a:solidFill>
+                  <a:schemeClr val="bg1"/>
+                </a:solidFill>
+              </a:rPr>
+              <a:t>005</a:t>
+            </a:r>
+            <a:endParaRPr lang="ko-KR" altLang="en-US" sz="3200" dirty="0">
+              <a:solidFill>
+                <a:schemeClr val="bg1"/>
+              </a:solidFill>
+            </a:endParaRPr>
+          </a:p>
+        </p:txBody>
+      </p:sp>
+      <p:sp>
+        <p:nvSpPr>
+          <p:cNvPr id="13" name="TextBox 12">
+            <a:extLst>
+              <a:ext uri="{FF2B5EF4-FFF2-40B4-BE49-F238E27FC236}">
+                <a16:creationId xmlns:a16="http://schemas.microsoft.com/office/drawing/2014/main" id="{1C602751-118A-49BF-8FB7-101ABAB6520A}"/>
+              </a:ext>
+            </a:extLst>
+          </p:cNvPr>
+          <p:cNvSpPr txBox="1"/>
+          <p:nvPr/>
+        </p:nvSpPr>
+        <p:spPr>
+          <a:xfrm>
+            <a:off x="1114499" y="2648981"/>
+            <a:ext cx="2350323" cy="1077218"/>
+          </a:xfrm>
+          <a:prstGeom prst="rect">
+            <a:avLst/>
+          </a:prstGeom>
+          <a:noFill/>
+        </p:spPr>
+        <p:txBody>
+          <a:bodyPr wrap="none" rtlCol="0">
+            <a:spAutoFit/>
+          </a:bodyPr>
+          <a:lstStyle/>
+          <a:p>
+            <a:r>
+              <a:rPr lang="ko-KR" altLang="en-US" sz="3200" dirty="0">
+                <a:solidFill>
+                  <a:schemeClr val="bg1"/>
+                </a:solidFill>
+              </a:rPr>
+              <a:t>타 게임과의</a:t>
+            </a:r>
+            <a:endParaRPr lang="en-US" altLang="ko-KR" sz="3200" dirty="0">
+              <a:solidFill>
+                <a:schemeClr val="bg1"/>
+              </a:solidFill>
+            </a:endParaRPr>
+          </a:p>
+          <a:p>
+            <a:r>
+              <a:rPr lang="ko-KR" altLang="en-US" sz="3200" dirty="0">
+                <a:solidFill>
+                  <a:schemeClr val="bg1"/>
+                </a:solidFill>
+              </a:rPr>
+              <a:t>차별성</a:t>
+            </a:r>
+          </a:p>
+        </p:txBody>
+      </p:sp>
+      <p:sp>
+        <p:nvSpPr>
+          <p:cNvPr id="14" name="TextBox 13">
+            <a:extLst>
+              <a:ext uri="{FF2B5EF4-FFF2-40B4-BE49-F238E27FC236}">
+                <a16:creationId xmlns:a16="http://schemas.microsoft.com/office/drawing/2014/main" id="{DF46E537-AFAE-41AB-9774-D02F969A1C2F}"/>
+              </a:ext>
+            </a:extLst>
+          </p:cNvPr>
+          <p:cNvSpPr txBox="1"/>
+          <p:nvPr/>
+        </p:nvSpPr>
+        <p:spPr>
+          <a:xfrm>
+            <a:off x="960208" y="2761190"/>
+            <a:ext cx="2178802" cy="1384995"/>
+          </a:xfrm>
+          <a:prstGeom prst="rect">
+            <a:avLst/>
+          </a:prstGeom>
+          <a:noFill/>
+        </p:spPr>
+        <p:txBody>
+          <a:bodyPr wrap="none" rtlCol="0">
+            <a:spAutoFit/>
+          </a:bodyPr>
+          <a:lstStyle/>
+          <a:p>
+            <a:r>
+              <a:rPr lang="en-US" altLang="ko-KR" sz="2800" dirty="0">
+                <a:solidFill>
+                  <a:schemeClr val="bg1"/>
+                </a:solidFill>
+              </a:rPr>
+              <a:t>005</a:t>
+            </a:r>
+            <a:r>
+              <a:rPr lang="ko-KR" altLang="en-US" sz="2800" dirty="0">
+                <a:solidFill>
+                  <a:schemeClr val="bg1"/>
+                </a:solidFill>
+              </a:rPr>
+              <a:t>  </a:t>
+            </a:r>
+            <a:endParaRPr lang="en-US" altLang="ko-KR" sz="2800" dirty="0">
+              <a:solidFill>
+                <a:schemeClr val="bg1"/>
+              </a:solidFill>
+            </a:endParaRPr>
+          </a:p>
+          <a:p>
+            <a:r>
+              <a:rPr lang="ko-KR" altLang="en-US" sz="2800" dirty="0">
+                <a:solidFill>
+                  <a:schemeClr val="bg1"/>
+                </a:solidFill>
+              </a:rPr>
+              <a:t>타 게임과의 </a:t>
+            </a:r>
+            <a:endParaRPr lang="en-US" altLang="ko-KR" sz="2800" dirty="0">
+              <a:solidFill>
+                <a:schemeClr val="bg1"/>
+              </a:solidFill>
+            </a:endParaRPr>
+          </a:p>
+          <a:p>
+            <a:r>
+              <a:rPr lang="ko-KR" altLang="en-US" sz="2800" dirty="0">
+                <a:solidFill>
+                  <a:schemeClr val="bg1"/>
+                </a:solidFill>
+              </a:rPr>
+              <a:t>차별성</a:t>
+            </a:r>
+          </a:p>
+        </p:txBody>
+      </p:sp>
+      <p:cxnSp>
+        <p:nvCxnSpPr>
+          <p:cNvPr id="15" name="직선 연결선 14">
+            <a:extLst>
+              <a:ext uri="{FF2B5EF4-FFF2-40B4-BE49-F238E27FC236}">
+                <a16:creationId xmlns:a16="http://schemas.microsoft.com/office/drawing/2014/main" id="{A4FB0825-A096-4783-9C9F-23B5E825DC07}"/>
+              </a:ext>
+            </a:extLst>
+          </p:cNvPr>
+          <p:cNvCxnSpPr/>
+          <p:nvPr/>
+        </p:nvCxnSpPr>
+        <p:spPr>
+          <a:xfrm>
+            <a:off x="1216189" y="3726199"/>
+            <a:ext cx="2059864" cy="0"/>
+          </a:xfrm>
+          <a:prstGeom prst="line">
+            <a:avLst/>
+          </a:prstGeom>
+          <a:solidFill>
+            <a:schemeClr val="accent2"/>
+          </a:solidFill>
+          <a:ln>
+            <a:solidFill>
+              <a:schemeClr val="bg1"/>
+            </a:solidFill>
+            <a:prstDash val="dash"/>
+          </a:ln>
+        </p:spPr>
+        <p:style>
+          <a:lnRef idx="1">
+            <a:schemeClr val="accent1"/>
+          </a:lnRef>
+          <a:fillRef idx="0">
+            <a:schemeClr val="accent1"/>
+          </a:fillRef>
+          <a:effectRef idx="0">
+            <a:schemeClr val="accent1"/>
+          </a:effectRef>
+          <a:fontRef idx="minor">
+            <a:schemeClr val="tx1"/>
+          </a:fontRef>
+        </p:style>
+      </p:cxnSp>
+      <p:cxnSp>
+        <p:nvCxnSpPr>
+          <p:cNvPr id="18" name="직선 연결선 17">
+            <a:extLst>
+              <a:ext uri="{FF2B5EF4-FFF2-40B4-BE49-F238E27FC236}">
+                <a16:creationId xmlns:a16="http://schemas.microsoft.com/office/drawing/2014/main" id="{2374D612-8CB4-4C11-9902-25D13EB59ADB}"/>
+              </a:ext>
+            </a:extLst>
+          </p:cNvPr>
+          <p:cNvCxnSpPr/>
+          <p:nvPr/>
+        </p:nvCxnSpPr>
+        <p:spPr>
+          <a:xfrm>
+            <a:off x="1216189" y="922439"/>
+            <a:ext cx="2059864" cy="0"/>
+          </a:xfrm>
+          <a:prstGeom prst="line">
+            <a:avLst/>
+          </a:prstGeom>
+          <a:solidFill>
+            <a:schemeClr val="accent2"/>
+          </a:solidFill>
+          <a:ln>
+            <a:solidFill>
+              <a:schemeClr val="bg1"/>
+            </a:solidFill>
+            <a:prstDash val="dash"/>
+          </a:ln>
+        </p:spPr>
+        <p:style>
+          <a:lnRef idx="1">
+            <a:schemeClr val="accent1"/>
+          </a:lnRef>
+          <a:fillRef idx="0">
+            <a:schemeClr val="accent1"/>
+          </a:fillRef>
+          <a:effectRef idx="0">
+            <a:schemeClr val="accent1"/>
+          </a:effectRef>
+          <a:fontRef idx="minor">
+            <a:schemeClr val="tx1"/>
+          </a:fontRef>
+        </p:style>
+      </p:cxnSp>
+      <p:sp>
+        <p:nvSpPr>
+          <p:cNvPr id="19" name="TextBox 18">
+            <a:extLst>
+              <a:ext uri="{FF2B5EF4-FFF2-40B4-BE49-F238E27FC236}">
+                <a16:creationId xmlns:a16="http://schemas.microsoft.com/office/drawing/2014/main" id="{FDB3FB45-8F39-4676-BE10-2242B73C4AF2}"/>
+              </a:ext>
+            </a:extLst>
+          </p:cNvPr>
+          <p:cNvSpPr txBox="1"/>
+          <p:nvPr/>
+        </p:nvSpPr>
+        <p:spPr>
+          <a:xfrm>
+            <a:off x="1216189" y="2448004"/>
+            <a:ext cx="827471" cy="584775"/>
+          </a:xfrm>
+          <a:prstGeom prst="rect">
+            <a:avLst/>
+          </a:prstGeom>
+          <a:noFill/>
+        </p:spPr>
+        <p:txBody>
+          <a:bodyPr wrap="none" rtlCol="0">
+            <a:spAutoFit/>
+          </a:bodyPr>
+          <a:lstStyle/>
+          <a:p>
+            <a:r>
+              <a:rPr lang="en-US" altLang="ko-KR" sz="3200" dirty="0">
+                <a:solidFill>
+                  <a:schemeClr val="bg1"/>
+                </a:solidFill>
+              </a:rPr>
+              <a:t>001</a:t>
+            </a:r>
+            <a:endParaRPr lang="ko-KR" altLang="en-US" sz="3200" dirty="0">
+              <a:solidFill>
+                <a:schemeClr val="bg1"/>
+              </a:solidFill>
+            </a:endParaRPr>
+          </a:p>
+        </p:txBody>
+      </p:sp>
+      <p:sp>
+        <p:nvSpPr>
+          <p:cNvPr id="20" name="TextBox 19">
+            <a:extLst>
+              <a:ext uri="{FF2B5EF4-FFF2-40B4-BE49-F238E27FC236}">
+                <a16:creationId xmlns:a16="http://schemas.microsoft.com/office/drawing/2014/main" id="{D4C2D2BF-7310-4798-B8E9-34226AB9CC3D}"/>
+              </a:ext>
+            </a:extLst>
+          </p:cNvPr>
+          <p:cNvSpPr txBox="1"/>
+          <p:nvPr/>
+        </p:nvSpPr>
+        <p:spPr>
+          <a:xfrm>
+            <a:off x="1194709" y="3034877"/>
+            <a:ext cx="1826141" cy="584775"/>
+          </a:xfrm>
+          <a:prstGeom prst="rect">
+            <a:avLst/>
+          </a:prstGeom>
+          <a:noFill/>
+        </p:spPr>
+        <p:txBody>
+          <a:bodyPr wrap="none" rtlCol="0">
+            <a:spAutoFit/>
+          </a:bodyPr>
+          <a:lstStyle/>
+          <a:p>
+            <a:r>
+              <a:rPr lang="ko-KR" altLang="en-US" sz="3200" dirty="0">
+                <a:solidFill>
+                  <a:schemeClr val="bg1"/>
+                </a:solidFill>
+              </a:rPr>
+              <a:t>연구목적</a:t>
+            </a:r>
+          </a:p>
+        </p:txBody>
+      </p:sp>
+      <p:sp>
+        <p:nvSpPr>
+          <p:cNvPr id="21" name="오각형 7">
+            <a:extLst>
+              <a:ext uri="{FF2B5EF4-FFF2-40B4-BE49-F238E27FC236}">
+                <a16:creationId xmlns:a16="http://schemas.microsoft.com/office/drawing/2014/main" id="{31B09852-622B-474A-A7E8-C91462C884F7}"/>
+              </a:ext>
+            </a:extLst>
+          </p:cNvPr>
           <p:cNvSpPr/>
           <p:nvPr/>
         </p:nvSpPr>
         <p:spPr>
           <a:xfrm rot="5400000">
-            <a:off x="-780014" y="1846229"/>
+            <a:off x="-902571" y="1846229"/>
             <a:ext cx="6028661" cy="2336201"/>
           </a:xfrm>
           <a:prstGeom prst="homePlate">
@@ -8271,14 +9720,22 @@
       </p:sp>
       <p:cxnSp>
         <p:nvCxnSpPr>
-          <p:cNvPr id="9" name="직선 연결선 8"/>
-          <p:cNvCxnSpPr/>
+          <p:cNvPr id="22" name="직선 연결선 21">
+            <a:extLst>
+              <a:ext uri="{FF2B5EF4-FFF2-40B4-BE49-F238E27FC236}">
+                <a16:creationId xmlns:a16="http://schemas.microsoft.com/office/drawing/2014/main" id="{DBE035F4-717A-4146-8848-BE08026A99D6}"/>
+              </a:ext>
+            </a:extLst>
+          </p:cNvPr>
+          <p:cNvCxnSpPr>
+            <a:cxnSpLocks/>
+          </p:cNvCxnSpPr>
           <p:nvPr/>
         </p:nvCxnSpPr>
         <p:spPr>
           <a:xfrm>
-            <a:off x="1216189" y="3726199"/>
-            <a:ext cx="2059864" cy="0"/>
+            <a:off x="943659" y="3715297"/>
+            <a:ext cx="2332394" cy="10902"/>
           </a:xfrm>
           <a:prstGeom prst="line">
             <a:avLst/>
@@ -8310,14 +9767,22 @@
       </p:cxnSp>
       <p:cxnSp>
         <p:nvCxnSpPr>
-          <p:cNvPr id="11" name="직선 연결선 10"/>
-          <p:cNvCxnSpPr/>
+          <p:cNvPr id="23" name="직선 연결선 22">
+            <a:extLst>
+              <a:ext uri="{FF2B5EF4-FFF2-40B4-BE49-F238E27FC236}">
+                <a16:creationId xmlns:a16="http://schemas.microsoft.com/office/drawing/2014/main" id="{BB8BE4FE-4D23-4300-8068-219795DBB3E7}"/>
+              </a:ext>
+            </a:extLst>
+          </p:cNvPr>
+          <p:cNvCxnSpPr>
+            <a:cxnSpLocks/>
+          </p:cNvCxnSpPr>
           <p:nvPr/>
         </p:nvCxnSpPr>
         <p:spPr>
           <a:xfrm>
-            <a:off x="1216189" y="922439"/>
-            <a:ext cx="2059864" cy="0"/>
+            <a:off x="943659" y="922439"/>
+            <a:ext cx="2332394" cy="0"/>
           </a:xfrm>
           <a:prstGeom prst="line">
             <a:avLst/>
@@ -8349,14 +9814,20 @@
       </p:cxnSp>
       <p:sp>
         <p:nvSpPr>
-          <p:cNvPr id="16" name="TextBox 15"/>
+          <p:cNvPr id="24" name="TextBox 23">
+            <a:extLst>
+              <a:ext uri="{FF2B5EF4-FFF2-40B4-BE49-F238E27FC236}">
+                <a16:creationId xmlns:a16="http://schemas.microsoft.com/office/drawing/2014/main" id="{1BFD5D10-892B-4BE8-9E94-8E7F037A6796}"/>
+              </a:ext>
+            </a:extLst>
+          </p:cNvPr>
           <p:cNvSpPr txBox="1"/>
           <p:nvPr/>
         </p:nvSpPr>
         <p:spPr>
           <a:xfrm>
-            <a:off x="1135979" y="2062108"/>
-            <a:ext cx="867545" cy="584775"/>
+            <a:off x="960208" y="2347832"/>
+            <a:ext cx="2079415" cy="1384995"/>
           </a:xfrm>
           <a:prstGeom prst="rect">
             <a:avLst/>
@@ -8370,52 +9841,37 @@
           <a:lstStyle/>
           <a:p>
             <a:r>
-              <a:rPr lang="en-US" altLang="ko-KR" sz="3200" dirty="0">
+              <a:rPr lang="en-US" altLang="ko-KR" sz="2800" dirty="0">
                 <a:solidFill>
                   <a:schemeClr val="bg1"/>
                 </a:solidFill>
               </a:rPr>
               <a:t>006</a:t>
             </a:r>
-            <a:endParaRPr lang="ko-KR" altLang="en-US" sz="3200" dirty="0">
+            <a:r>
+              <a:rPr lang="ko-KR" altLang="en-US" sz="2800" dirty="0">
+                <a:solidFill>
+                  <a:schemeClr val="bg1"/>
+                </a:solidFill>
+              </a:rPr>
+              <a:t>  </a:t>
+            </a:r>
+            <a:endParaRPr lang="en-US" altLang="ko-KR" sz="2800" dirty="0">
               <a:solidFill>
                 <a:schemeClr val="bg1"/>
               </a:solidFill>
             </a:endParaRPr>
           </a:p>
-        </p:txBody>
-      </p:sp>
-      <p:sp>
-        <p:nvSpPr>
-          <p:cNvPr id="17" name="TextBox 16"/>
-          <p:cNvSpPr txBox="1"/>
-          <p:nvPr/>
-        </p:nvSpPr>
-        <p:spPr>
-          <a:xfrm>
-            <a:off x="1114499" y="2648981"/>
-            <a:ext cx="2350323" cy="1077218"/>
-          </a:xfrm>
-          <a:prstGeom prst="rect">
-            <a:avLst/>
-          </a:prstGeom>
-          <a:noFill/>
-        </p:spPr>
-        <p:txBody>
-          <a:bodyPr wrap="none" rtlCol="0">
-            <a:spAutoFit/>
-          </a:bodyPr>
-          <a:lstStyle/>
-          <a:p>
-            <a:r>
-              <a:rPr lang="ko-KR" altLang="en-US" sz="3200" dirty="0">
+          <a:p>
+            <a:r>
+              <a:rPr lang="ko-KR" altLang="en-US" sz="2800" dirty="0">
                 <a:solidFill>
                   <a:schemeClr val="bg1"/>
                 </a:solidFill>
               </a:rPr>
               <a:t>역할분담 및</a:t>
             </a:r>
-            <a:endParaRPr lang="en-US" altLang="ko-KR" sz="3200" dirty="0">
+            <a:endParaRPr lang="en-US" altLang="ko-KR" sz="2800" dirty="0">
               <a:solidFill>
                 <a:schemeClr val="bg1"/>
               </a:solidFill>
@@ -8423,12 +9879,12 @@
           </a:p>
           <a:p>
             <a:r>
-              <a:rPr lang="ko-KR" altLang="en-US" sz="3200" dirty="0">
+              <a:rPr lang="ko-KR" altLang="en-US" sz="2800" dirty="0">
                 <a:solidFill>
                   <a:schemeClr val="bg1"/>
                 </a:solidFill>
               </a:rPr>
-              <a:t>개발 일정</a:t>
+              <a:t>개발일정</a:t>
             </a:r>
           </a:p>
         </p:txBody>
@@ -8933,8 +10389,8 @@
         </p:nvSpPr>
         <p:spPr>
           <a:xfrm>
-            <a:off x="413521" y="1972749"/>
-            <a:ext cx="2619628" cy="2569934"/>
+            <a:off x="505607" y="1972749"/>
+            <a:ext cx="3610315" cy="2954655"/>
           </a:xfrm>
           <a:prstGeom prst="rect">
             <a:avLst/>
@@ -8942,7 +10398,7 @@
           <a:noFill/>
         </p:spPr>
         <p:txBody>
-          <a:bodyPr wrap="none" rtlCol="0">
+          <a:bodyPr wrap="square" rtlCol="0">
             <a:spAutoFit/>
           </a:bodyPr>
           <a:lstStyle/>
@@ -8952,7 +10408,7 @@
               <a:buChar char="§"/>
             </a:pPr>
             <a:r>
-              <a:rPr lang="ko-KR" altLang="en-US" sz="2300" dirty="0">
+              <a:rPr lang="ko-KR" altLang="en-US" sz="2000" dirty="0">
                 <a:solidFill>
                   <a:schemeClr val="accent4">
                     <a:lumMod val="25000"/>
@@ -8960,9 +10416,122 @@
                 </a:solidFill>
                 <a:ea typeface="+mj-ea"/>
               </a:rPr>
-              <a:t>애니메이션 구현</a:t>
-            </a:r>
-            <a:endParaRPr lang="en-US" altLang="ko-KR" sz="2300" dirty="0">
+              <a:t>애니메이션 </a:t>
+            </a:r>
+            <a:endParaRPr lang="en-US" altLang="ko-KR" sz="2000" dirty="0">
+              <a:solidFill>
+                <a:schemeClr val="accent4">
+                  <a:lumMod val="25000"/>
+                </a:schemeClr>
+              </a:solidFill>
+              <a:ea typeface="+mj-ea"/>
+            </a:endParaRPr>
+          </a:p>
+          <a:p>
+            <a:pPr marL="285750" indent="-285750">
+              <a:buFont typeface="Wingdings" panose="05000000000000000000" pitchFamily="2" charset="2"/>
+              <a:buChar char="§"/>
+            </a:pPr>
+            <a:endParaRPr lang="en-US" altLang="ko-KR" sz="2000" dirty="0">
+              <a:solidFill>
+                <a:schemeClr val="accent4">
+                  <a:lumMod val="25000"/>
+                </a:schemeClr>
+              </a:solidFill>
+              <a:ea typeface="+mj-ea"/>
+            </a:endParaRPr>
+          </a:p>
+          <a:p>
+            <a:pPr marL="285750" indent="-285750">
+              <a:buFont typeface="Wingdings" panose="05000000000000000000" pitchFamily="2" charset="2"/>
+              <a:buChar char="§"/>
+            </a:pPr>
+            <a:r>
+              <a:rPr lang="ko-KR" altLang="en-US" sz="2000" dirty="0">
+                <a:solidFill>
+                  <a:schemeClr val="accent4">
+                    <a:lumMod val="25000"/>
+                  </a:schemeClr>
+                </a:solidFill>
+                <a:ea typeface="+mj-ea"/>
+              </a:rPr>
+              <a:t>게임 오브젝트 및 게임 로직</a:t>
+            </a:r>
+            <a:endParaRPr lang="en-US" altLang="ko-KR" sz="2000" dirty="0">
+              <a:solidFill>
+                <a:schemeClr val="accent4">
+                  <a:lumMod val="25000"/>
+                </a:schemeClr>
+              </a:solidFill>
+              <a:ea typeface="+mj-ea"/>
+            </a:endParaRPr>
+          </a:p>
+          <a:p>
+            <a:endParaRPr lang="en-US" altLang="ko-KR" sz="2000" dirty="0">
+              <a:solidFill>
+                <a:schemeClr val="accent4">
+                  <a:lumMod val="25000"/>
+                </a:schemeClr>
+              </a:solidFill>
+              <a:ea typeface="+mj-ea"/>
+            </a:endParaRPr>
+          </a:p>
+          <a:p>
+            <a:pPr marL="285750" indent="-285750">
+              <a:buFont typeface="Wingdings" panose="05000000000000000000" pitchFamily="2" charset="2"/>
+              <a:buChar char="§"/>
+            </a:pPr>
+            <a:r>
+              <a:rPr lang="ko-KR" altLang="en-US" sz="2000" dirty="0" err="1">
+                <a:solidFill>
+                  <a:schemeClr val="accent4">
+                    <a:lumMod val="25000"/>
+                  </a:schemeClr>
+                </a:solidFill>
+                <a:ea typeface="+mj-ea"/>
+              </a:rPr>
+              <a:t>카툰렌더링</a:t>
+            </a:r>
+            <a:endParaRPr lang="en-US" altLang="ko-KR" sz="2000" dirty="0">
+              <a:solidFill>
+                <a:schemeClr val="accent4">
+                  <a:lumMod val="25000"/>
+                </a:schemeClr>
+              </a:solidFill>
+              <a:ea typeface="+mj-ea"/>
+            </a:endParaRPr>
+          </a:p>
+          <a:p>
+            <a:pPr marL="285750" indent="-285750">
+              <a:buFont typeface="Wingdings" panose="05000000000000000000" pitchFamily="2" charset="2"/>
+              <a:buChar char="§"/>
+            </a:pPr>
+            <a:endParaRPr lang="en-US" altLang="ko-KR" sz="2000" dirty="0">
+              <a:solidFill>
+                <a:schemeClr val="accent4">
+                  <a:lumMod val="25000"/>
+                </a:schemeClr>
+              </a:solidFill>
+              <a:ea typeface="+mj-ea"/>
+            </a:endParaRPr>
+          </a:p>
+          <a:p>
+            <a:pPr marL="285750" indent="-285750">
+              <a:buFont typeface="Wingdings" panose="05000000000000000000" pitchFamily="2" charset="2"/>
+              <a:buChar char="§"/>
+            </a:pPr>
+            <a:r>
+              <a:rPr lang="ko-KR" altLang="en-US" sz="2000" dirty="0">
+                <a:solidFill>
+                  <a:schemeClr val="accent4">
+                    <a:lumMod val="25000"/>
+                  </a:schemeClr>
+                </a:solidFill>
+                <a:ea typeface="+mj-ea"/>
+              </a:rPr>
+              <a:t>테스트 및 버그 수정</a:t>
+            </a:r>
+            <a:endParaRPr lang="en-US" altLang="ko-KR" sz="2000" dirty="0">
               <a:solidFill>
                 <a:schemeClr val="accent4">
                   <a:lumMod val="25000"/>
@@ -8990,17 +10559,6 @@
               <a:buFont typeface="Wingdings" panose="05000000000000000000" pitchFamily="2" charset="2"/>
               <a:buChar char="§"/>
             </a:pPr>
-            <a:r>
-              <a:rPr lang="ko-KR" altLang="en-US" sz="2300" dirty="0">
-                <a:solidFill>
-                  <a:schemeClr val="accent4">
-                    <a:lumMod val="25000"/>
-                  </a:schemeClr>
-                </a:solidFill>
-                <a:ea typeface="+mj-ea"/>
-              </a:rPr>
-              <a:t>스테이지 구성</a:t>
-            </a:r>
             <a:endParaRPr lang="en-US" altLang="ko-KR" sz="2300" dirty="0">
               <a:solidFill>
                 <a:schemeClr val="accent4">
@@ -9008,92 +10566,6 @@
                 </a:schemeClr>
               </a:solidFill>
               <a:ea typeface="+mj-ea"/>
-            </a:endParaRPr>
-          </a:p>
-          <a:p>
-            <a:pPr marL="285750" indent="-285750">
-              <a:buFont typeface="Wingdings" panose="05000000000000000000" pitchFamily="2" charset="2"/>
-              <a:buChar char="§"/>
-            </a:pPr>
-            <a:endParaRPr lang="en-US" altLang="ko-KR" sz="2300" dirty="0">
-              <a:solidFill>
-                <a:schemeClr val="accent4">
-                  <a:lumMod val="25000"/>
-                </a:schemeClr>
-              </a:solidFill>
-              <a:ea typeface="+mj-ea"/>
-            </a:endParaRPr>
-          </a:p>
-          <a:p>
-            <a:pPr marL="285750" indent="-285750">
-              <a:buFont typeface="Wingdings" panose="05000000000000000000" pitchFamily="2" charset="2"/>
-              <a:buChar char="§"/>
-            </a:pPr>
-            <a:r>
-              <a:rPr lang="ko-KR" altLang="en-US" sz="2300" dirty="0" err="1">
-                <a:solidFill>
-                  <a:schemeClr val="accent4">
-                    <a:lumMod val="25000"/>
-                  </a:schemeClr>
-                </a:solidFill>
-                <a:ea typeface="+mj-ea"/>
-              </a:rPr>
-              <a:t>카툰렌더링</a:t>
-            </a:r>
-            <a:endParaRPr lang="en-US" altLang="ko-KR" sz="2300" dirty="0">
-              <a:solidFill>
-                <a:schemeClr val="accent4">
-                  <a:lumMod val="25000"/>
-                </a:schemeClr>
-              </a:solidFill>
-              <a:ea typeface="+mj-ea"/>
-            </a:endParaRPr>
-          </a:p>
-          <a:p>
-            <a:pPr marL="285750" indent="-285750">
-              <a:buFont typeface="Wingdings" panose="05000000000000000000" pitchFamily="2" charset="2"/>
-              <a:buChar char="§"/>
-            </a:pPr>
-            <a:endParaRPr lang="en-US" altLang="ko-KR" sz="2300" dirty="0">
-              <a:solidFill>
-                <a:schemeClr val="accent4">
-                  <a:lumMod val="25000"/>
-                </a:schemeClr>
-              </a:solidFill>
-              <a:ea typeface="+mj-ea"/>
-            </a:endParaRPr>
-          </a:p>
-          <a:p>
-            <a:pPr marL="285750" indent="-285750">
-              <a:buFont typeface="Wingdings" panose="05000000000000000000" pitchFamily="2" charset="2"/>
-              <a:buChar char="§"/>
-            </a:pPr>
-            <a:r>
-              <a:rPr lang="en-US" altLang="ko-KR" sz="2300" dirty="0">
-                <a:solidFill>
-                  <a:schemeClr val="accent4">
-                    <a:lumMod val="25000"/>
-                  </a:schemeClr>
-                </a:solidFill>
-              </a:rPr>
-              <a:t>UI </a:t>
-            </a:r>
-            <a:r>
-              <a:rPr lang="ko-KR" altLang="en-US" sz="2300" dirty="0">
-                <a:solidFill>
-                  <a:schemeClr val="accent4">
-                    <a:lumMod val="25000"/>
-                  </a:schemeClr>
-                </a:solidFill>
-              </a:rPr>
-              <a:t>및 이펙트</a:t>
-            </a:r>
-            <a:endParaRPr lang="en-US" altLang="ko-KR" sz="2300" dirty="0">
-              <a:solidFill>
-                <a:schemeClr val="accent4">
-                  <a:lumMod val="25000"/>
-                </a:schemeClr>
-              </a:solidFill>
             </a:endParaRPr>
           </a:p>
         </p:txBody>
@@ -9241,7 +10713,7 @@
         <p:spPr>
           <a:xfrm>
             <a:off x="4312298" y="1972749"/>
-            <a:ext cx="2701381" cy="2569934"/>
+            <a:ext cx="3610315" cy="3170099"/>
           </a:xfrm>
           <a:prstGeom prst="rect">
             <a:avLst/>
@@ -9249,7 +10721,7 @@
           <a:noFill/>
         </p:spPr>
         <p:txBody>
-          <a:bodyPr wrap="none" rtlCol="0">
+          <a:bodyPr wrap="square" rtlCol="0">
             <a:spAutoFit/>
           </a:bodyPr>
           <a:lstStyle/>
@@ -9259,37 +10731,31 @@
               <a:buChar char="§"/>
             </a:pPr>
             <a:r>
-              <a:rPr lang="ko-KR" altLang="en-US" sz="2300" dirty="0">
+              <a:rPr lang="ko-KR" altLang="en-US" sz="2000" dirty="0">
                 <a:solidFill>
                   <a:schemeClr val="accent4">
                     <a:lumMod val="25000"/>
                   </a:schemeClr>
                 </a:solidFill>
-                <a:ea typeface="+mj-ea"/>
-              </a:rPr>
-              <a:t>애니메이션 구현</a:t>
-            </a:r>
-            <a:endParaRPr lang="en-US" altLang="ko-KR" sz="2300" dirty="0">
+              </a:rPr>
+              <a:t>애니메이션 </a:t>
+            </a:r>
+            <a:endParaRPr lang="en-US" altLang="ko-KR" sz="2000" dirty="0">
               <a:solidFill>
                 <a:schemeClr val="accent4">
                   <a:lumMod val="25000"/>
                 </a:schemeClr>
               </a:solidFill>
-              <a:ea typeface="+mj-ea"/>
             </a:endParaRPr>
           </a:p>
           <a:p>
-            <a:pPr marL="285750" indent="-285750">
-              <a:buFont typeface="Wingdings" panose="05000000000000000000" pitchFamily="2" charset="2"/>
-              <a:buChar char="§"/>
-            </a:pPr>
-            <a:endParaRPr lang="en-US" altLang="ko-KR" sz="2300" dirty="0">
+            <a:endParaRPr lang="en-US" altLang="ko-KR" sz="2000" dirty="0">
               <a:solidFill>
                 <a:schemeClr val="accent4">
                   <a:lumMod val="25000"/>
                 </a:schemeClr>
               </a:solidFill>
-              <a:ea typeface="+mj-ea"/>
+              <a:latin typeface="+mn-ea"/>
             </a:endParaRPr>
           </a:p>
           <a:p>
@@ -9298,23 +10764,51 @@
               <a:buChar char="§"/>
             </a:pPr>
             <a:r>
-              <a:rPr lang="ko-KR" altLang="en-US" sz="2300" dirty="0">
+              <a:rPr lang="en-US" altLang="ko-KR" sz="2000" dirty="0">
                 <a:solidFill>
                   <a:schemeClr val="accent4">
                     <a:lumMod val="25000"/>
                   </a:schemeClr>
                 </a:solidFill>
-                <a:ea typeface="+mj-ea"/>
-              </a:rPr>
-              <a:t>그림자</a:t>
-            </a:r>
-            <a:endParaRPr lang="en-US" altLang="ko-KR" sz="2300" dirty="0">
+                <a:latin typeface="+mn-ea"/>
+              </a:rPr>
+              <a:t>UI </a:t>
+            </a:r>
+            <a:r>
+              <a:rPr lang="ko-KR" altLang="en-US" sz="2000" dirty="0">
+                <a:solidFill>
+                  <a:schemeClr val="accent4">
+                    <a:lumMod val="25000"/>
+                  </a:schemeClr>
+                </a:solidFill>
+                <a:latin typeface="+mn-ea"/>
+              </a:rPr>
+              <a:t>및 이펙트</a:t>
+            </a:r>
+            <a:r>
+              <a:rPr lang="en-US" altLang="ko-KR" sz="2000" dirty="0">
+                <a:solidFill>
+                  <a:schemeClr val="accent4">
+                    <a:lumMod val="25000"/>
+                  </a:schemeClr>
+                </a:solidFill>
+                <a:latin typeface="+mn-ea"/>
+              </a:rPr>
+              <a:t> </a:t>
+            </a:r>
+          </a:p>
+          <a:p>
+            <a:pPr marL="285750" indent="-285750">
+              <a:buFont typeface="Wingdings" panose="05000000000000000000" pitchFamily="2" charset="2"/>
+              <a:buChar char="§"/>
+            </a:pPr>
+            <a:endParaRPr lang="en-US" altLang="ko-KR" sz="2000" dirty="0">
               <a:solidFill>
                 <a:schemeClr val="accent4">
                   <a:lumMod val="25000"/>
                 </a:schemeClr>
               </a:solidFill>
-              <a:ea typeface="+mj-ea"/>
+              <a:latin typeface="+mn-ea"/>
             </a:endParaRPr>
           </a:p>
           <a:p>
@@ -9322,13 +10816,22 @@
               <a:buFont typeface="Wingdings" panose="05000000000000000000" pitchFamily="2" charset="2"/>
               <a:buChar char="§"/>
             </a:pPr>
-            <a:endParaRPr lang="en-US" altLang="ko-KR" sz="2300" dirty="0">
+            <a:r>
+              <a:rPr lang="ko-KR" altLang="en-US" sz="2000" dirty="0">
+                <a:solidFill>
+                  <a:schemeClr val="accent4">
+                    <a:lumMod val="25000"/>
+                  </a:schemeClr>
+                </a:solidFill>
+              </a:rPr>
+              <a:t>게임 오브젝트 및 게임 로직</a:t>
+            </a:r>
+            <a:endParaRPr lang="en-US" altLang="ko-KR" sz="2000" dirty="0">
               <a:solidFill>
                 <a:schemeClr val="accent4">
                   <a:lumMod val="25000"/>
                 </a:schemeClr>
               </a:solidFill>
-              <a:ea typeface="+mj-ea"/>
             </a:endParaRPr>
           </a:p>
           <a:p>
@@ -9336,24 +10839,13 @@
               <a:buFont typeface="Wingdings" panose="05000000000000000000" pitchFamily="2" charset="2"/>
               <a:buChar char="§"/>
             </a:pPr>
-            <a:r>
-              <a:rPr lang="ko-KR" altLang="en-US" sz="2300" dirty="0">
-                <a:solidFill>
-                  <a:schemeClr val="accent4">
-                    <a:lumMod val="25000"/>
-                  </a:schemeClr>
-                </a:solidFill>
-                <a:ea typeface="+mj-ea"/>
-              </a:rPr>
-              <a:t>게임 콘텐츠 구현</a:t>
-            </a:r>
-            <a:endParaRPr lang="en-US" altLang="ko-KR" sz="2300" dirty="0">
+            <a:endParaRPr lang="en-US" altLang="ko-KR" sz="2000" dirty="0">
               <a:solidFill>
                 <a:schemeClr val="accent4">
                   <a:lumMod val="25000"/>
                 </a:schemeClr>
               </a:solidFill>
-              <a:ea typeface="+mj-ea"/>
+              <a:latin typeface="+mn-ea"/>
             </a:endParaRPr>
           </a:p>
           <a:p>
@@ -9361,13 +10853,24 @@
               <a:buFont typeface="Wingdings" panose="05000000000000000000" pitchFamily="2" charset="2"/>
               <a:buChar char="§"/>
             </a:pPr>
-            <a:endParaRPr lang="en-US" altLang="ko-KR" sz="2300" dirty="0">
+            <a:r>
+              <a:rPr lang="ko-KR" altLang="en-US" sz="2000" dirty="0">
+                <a:solidFill>
+                  <a:schemeClr val="accent4">
+                    <a:lumMod val="25000"/>
+                  </a:schemeClr>
+                </a:solidFill>
+                <a:latin typeface="+mn-ea"/>
+              </a:rPr>
+              <a:t>그림자</a:t>
+            </a:r>
+            <a:endParaRPr lang="en-US" altLang="ko-KR" sz="2000" dirty="0">
               <a:solidFill>
                 <a:schemeClr val="accent4">
                   <a:lumMod val="25000"/>
                 </a:schemeClr>
               </a:solidFill>
-              <a:ea typeface="+mj-ea"/>
+              <a:latin typeface="+mn-ea"/>
             </a:endParaRPr>
           </a:p>
           <a:p>
@@ -9375,35 +10878,51 @@
               <a:buFont typeface="Wingdings" panose="05000000000000000000" pitchFamily="2" charset="2"/>
               <a:buChar char="§"/>
             </a:pPr>
-            <a:r>
-              <a:rPr lang="en-US" altLang="ko-KR" sz="2300" dirty="0">
-                <a:solidFill>
-                  <a:schemeClr val="accent4">
-                    <a:lumMod val="25000"/>
-                  </a:schemeClr>
-                </a:solidFill>
-                <a:ea typeface="+mj-ea"/>
-              </a:rPr>
-              <a:t>UI </a:t>
-            </a:r>
-            <a:r>
-              <a:rPr lang="ko-KR" altLang="en-US" sz="2300" dirty="0">
-                <a:solidFill>
-                  <a:schemeClr val="accent4">
-                    <a:lumMod val="25000"/>
-                  </a:schemeClr>
-                </a:solidFill>
-                <a:ea typeface="+mj-ea"/>
-              </a:rPr>
-              <a:t>및 이펙트</a:t>
-            </a:r>
-            <a:endParaRPr lang="en-US" altLang="ko-KR" sz="2300" dirty="0">
+            <a:endParaRPr lang="en-US" altLang="ko-KR" sz="2000" dirty="0">
               <a:solidFill>
                 <a:schemeClr val="accent4">
                   <a:lumMod val="25000"/>
                 </a:schemeClr>
               </a:solidFill>
-              <a:ea typeface="+mj-ea"/>
+              <a:latin typeface="+mn-ea"/>
+            </a:endParaRPr>
+          </a:p>
+          <a:p>
+            <a:pPr marL="285750" indent="-285750">
+              <a:buFont typeface="Wingdings" panose="05000000000000000000" pitchFamily="2" charset="2"/>
+              <a:buChar char="§"/>
+            </a:pPr>
+            <a:r>
+              <a:rPr lang="ko-KR" altLang="en-US" sz="2000" dirty="0">
+                <a:solidFill>
+                  <a:schemeClr val="accent4">
+                    <a:lumMod val="25000"/>
+                  </a:schemeClr>
+                </a:solidFill>
+              </a:rPr>
+              <a:t>테스트 및 버그 수정</a:t>
+            </a:r>
+            <a:endParaRPr lang="en-US" altLang="ko-KR" sz="2000" dirty="0">
+              <a:solidFill>
+                <a:schemeClr val="accent4">
+                  <a:lumMod val="25000"/>
+                </a:schemeClr>
+              </a:solidFill>
+              <a:latin typeface="+mn-ea"/>
+            </a:endParaRPr>
+          </a:p>
+          <a:p>
+            <a:pPr marL="285750" indent="-285750">
+              <a:buFont typeface="Wingdings" panose="05000000000000000000" pitchFamily="2" charset="2"/>
+              <a:buChar char="§"/>
+            </a:pPr>
+            <a:endParaRPr lang="en-US" altLang="ko-KR" sz="2000" dirty="0">
+              <a:solidFill>
+                <a:schemeClr val="accent4">
+                  <a:lumMod val="25000"/>
+                </a:schemeClr>
+              </a:solidFill>
+              <a:latin typeface="+mn-ea"/>
             </a:endParaRPr>
           </a:p>
         </p:txBody>
@@ -9551,8 +11070,8 @@
         </p:nvSpPr>
         <p:spPr>
           <a:xfrm>
-            <a:off x="8211075" y="1972749"/>
-            <a:ext cx="3602268" cy="1862048"/>
+            <a:off x="8106786" y="1979016"/>
+            <a:ext cx="3714603" cy="1631216"/>
           </a:xfrm>
           <a:prstGeom prst="rect">
             <a:avLst/>
@@ -9560,7 +11079,7 @@
           <a:noFill/>
         </p:spPr>
         <p:txBody>
-          <a:bodyPr wrap="none" rtlCol="0">
+          <a:bodyPr wrap="square" rtlCol="0">
             <a:spAutoFit/>
           </a:bodyPr>
           <a:lstStyle/>
@@ -9570,7 +11089,7 @@
               <a:buChar char="§"/>
             </a:pPr>
             <a:r>
-              <a:rPr lang="en-US" altLang="ko-KR" sz="2300" dirty="0">
+              <a:rPr lang="en-US" altLang="ko-KR" sz="2000" dirty="0">
                 <a:solidFill>
                   <a:schemeClr val="accent4">
                     <a:lumMod val="25000"/>
@@ -9581,7 +11100,7 @@
               <a:t>IOCP </a:t>
             </a:r>
             <a:r>
-              <a:rPr lang="ko-KR" altLang="en-US" sz="2300" dirty="0">
+              <a:rPr lang="ko-KR" altLang="en-US" sz="2000" dirty="0">
                 <a:solidFill>
                   <a:schemeClr val="accent4">
                     <a:lumMod val="25000"/>
@@ -9591,7 +11110,7 @@
               </a:rPr>
               <a:t>서버 구현</a:t>
             </a:r>
-            <a:endParaRPr lang="en-US" altLang="ko-KR" sz="2300" dirty="0">
+            <a:endParaRPr lang="en-US" altLang="ko-KR" sz="2000" dirty="0">
               <a:solidFill>
                 <a:schemeClr val="accent4">
                   <a:lumMod val="25000"/>
@@ -9605,7 +11124,7 @@
               <a:buFont typeface="Wingdings" panose="05000000000000000000" pitchFamily="2" charset="2"/>
               <a:buChar char="§"/>
             </a:pPr>
-            <a:endParaRPr lang="en-US" altLang="ko-KR" sz="2300" dirty="0">
+            <a:endParaRPr lang="en-US" altLang="ko-KR" sz="2000" dirty="0">
               <a:solidFill>
                 <a:schemeClr val="accent4">
                   <a:lumMod val="25000"/>
@@ -9620,7 +11139,7 @@
               <a:buChar char="§"/>
             </a:pPr>
             <a:r>
-              <a:rPr lang="ko-KR" altLang="en-US" sz="2300" dirty="0">
+              <a:rPr lang="ko-KR" altLang="en-US" sz="2000" dirty="0">
                 <a:solidFill>
                   <a:schemeClr val="accent4">
                     <a:lumMod val="25000"/>
@@ -9628,10 +11147,10 @@
                 </a:solidFill>
                 <a:ea typeface="+mj-ea"/>
               </a:rPr>
-              <a:t>클라이언트</a:t>
-            </a:r>
-            <a:r>
-              <a:rPr lang="en-US" altLang="ko-KR" sz="2300" dirty="0">
+              <a:t>클라이언트 </a:t>
+            </a:r>
+            <a:r>
+              <a:rPr lang="en-US" altLang="ko-KR" sz="2000" dirty="0">
                 <a:solidFill>
                   <a:schemeClr val="accent4">
                     <a:lumMod val="25000"/>
@@ -9639,10 +11158,10 @@
                 </a:solidFill>
                 <a:ea typeface="+mj-ea"/>
               </a:rPr>
-              <a:t>-</a:t>
-            </a:r>
-            <a:r>
-              <a:rPr lang="ko-KR" altLang="en-US" sz="2300" dirty="0">
+              <a:t>- </a:t>
+            </a:r>
+            <a:r>
+              <a:rPr lang="ko-KR" altLang="en-US" sz="2000" dirty="0">
                 <a:solidFill>
                   <a:schemeClr val="accent4">
                     <a:lumMod val="25000"/>
@@ -9652,7 +11171,7 @@
               </a:rPr>
               <a:t>서버 동기화</a:t>
             </a:r>
-            <a:endParaRPr lang="en-US" altLang="ko-KR" sz="2300" dirty="0">
+            <a:endParaRPr lang="en-US" altLang="ko-KR" sz="2000" dirty="0">
               <a:solidFill>
                 <a:schemeClr val="accent4">
                   <a:lumMod val="25000"/>
@@ -9666,7 +11185,7 @@
               <a:buFont typeface="Wingdings" panose="05000000000000000000" pitchFamily="2" charset="2"/>
               <a:buChar char="§"/>
             </a:pPr>
-            <a:endParaRPr lang="en-US" altLang="ko-KR" sz="2300" dirty="0">
+            <a:endParaRPr lang="en-US" altLang="ko-KR" sz="2000" dirty="0">
               <a:solidFill>
                 <a:schemeClr val="accent4">
                   <a:lumMod val="25000"/>
@@ -9681,7 +11200,7 @@
               <a:buChar char="§"/>
             </a:pPr>
             <a:r>
-              <a:rPr lang="ko-KR" altLang="en-US" sz="2300" dirty="0">
+              <a:rPr lang="ko-KR" altLang="en-US" sz="2000" dirty="0">
                 <a:solidFill>
                   <a:schemeClr val="accent4">
                     <a:lumMod val="25000"/>
@@ -9689,9 +11208,31 @@
                 </a:solidFill>
                 <a:ea typeface="+mj-ea"/>
               </a:rPr>
-              <a:t>물리 구현</a:t>
-            </a:r>
-            <a:endParaRPr lang="en-US" altLang="ko-KR" sz="2300" dirty="0">
+              <a:t>물리</a:t>
+            </a:r>
+            <a:r>
+              <a:rPr lang="en-US" altLang="ko-KR" sz="2000" dirty="0">
+                <a:solidFill>
+                  <a:schemeClr val="accent4">
+                    <a:lumMod val="25000"/>
+                  </a:schemeClr>
+                </a:solidFill>
+                <a:ea typeface="+mj-ea"/>
+              </a:rPr>
+              <a:t> </a:t>
+            </a:r>
+            <a:r>
+              <a:rPr lang="ko-KR" altLang="en-US" sz="2000" dirty="0">
+                <a:solidFill>
+                  <a:schemeClr val="accent4">
+                    <a:lumMod val="25000"/>
+                  </a:schemeClr>
+                </a:solidFill>
+                <a:ea typeface="+mj-ea"/>
+              </a:rPr>
+              <a:t>구현</a:t>
+            </a:r>
+            <a:endParaRPr lang="en-US" altLang="ko-KR" sz="2000" dirty="0">
               <a:solidFill>
                 <a:schemeClr val="accent4">
                   <a:lumMod val="25000"/>
@@ -10061,10 +11602,10 @@
       </p:grpSp>
       <p:pic>
         <p:nvPicPr>
-          <p:cNvPr id="4" name="그림 3">
+          <p:cNvPr id="8" name="그림 7">
             <a:extLst>
               <a:ext uri="{FF2B5EF4-FFF2-40B4-BE49-F238E27FC236}">
-                <a16:creationId xmlns:a16="http://schemas.microsoft.com/office/drawing/2014/main" id="{04A3E99C-B982-4C9B-9433-A234CF3E4CC1}"/>
+                <a16:creationId xmlns:a16="http://schemas.microsoft.com/office/drawing/2014/main" id="{CB8F50A0-D4C9-4A42-8BDD-BF01DF81CDCE}"/>
               </a:ext>
             </a:extLst>
           </p:cNvPr>
@@ -10081,8 +11622,8 @@
         </p:blipFill>
         <p:spPr>
           <a:xfrm>
-            <a:off x="0" y="2084166"/>
-            <a:ext cx="12192000" cy="3293350"/>
+            <a:off x="0" y="1948674"/>
+            <a:ext cx="12192000" cy="2960652"/>
           </a:xfrm>
           <a:prstGeom prst="rect">
             <a:avLst/>
@@ -10119,15 +11660,459 @@
           <a:chExt cx="0" cy="0"/>
         </a:xfrm>
       </p:grpSpPr>
+      <p:cxnSp>
+        <p:nvCxnSpPr>
+          <p:cNvPr id="7" name="직선 연결선 6">
+            <a:extLst>
+              <a:ext uri="{FF2B5EF4-FFF2-40B4-BE49-F238E27FC236}">
+                <a16:creationId xmlns:a16="http://schemas.microsoft.com/office/drawing/2014/main" id="{450F60AA-AAE1-4CE9-A97F-E0E7C69B0916}"/>
+              </a:ext>
+            </a:extLst>
+          </p:cNvPr>
+          <p:cNvCxnSpPr/>
+          <p:nvPr/>
+        </p:nvCxnSpPr>
+        <p:spPr>
+          <a:xfrm>
+            <a:off x="1216189" y="3726199"/>
+            <a:ext cx="2059864" cy="0"/>
+          </a:xfrm>
+          <a:prstGeom prst="line">
+            <a:avLst/>
+          </a:prstGeom>
+          <a:solidFill>
+            <a:schemeClr val="accent2"/>
+          </a:solidFill>
+          <a:ln>
+            <a:solidFill>
+              <a:schemeClr val="bg1"/>
+            </a:solidFill>
+            <a:prstDash val="dash"/>
+          </a:ln>
+        </p:spPr>
+        <p:style>
+          <a:lnRef idx="1">
+            <a:schemeClr val="accent1"/>
+          </a:lnRef>
+          <a:fillRef idx="0">
+            <a:schemeClr val="accent1"/>
+          </a:fillRef>
+          <a:effectRef idx="0">
+            <a:schemeClr val="accent1"/>
+          </a:effectRef>
+          <a:fontRef idx="minor">
+            <a:schemeClr val="tx1"/>
+          </a:fontRef>
+        </p:style>
+      </p:cxnSp>
+      <p:cxnSp>
+        <p:nvCxnSpPr>
+          <p:cNvPr id="10" name="직선 연결선 9">
+            <a:extLst>
+              <a:ext uri="{FF2B5EF4-FFF2-40B4-BE49-F238E27FC236}">
+                <a16:creationId xmlns:a16="http://schemas.microsoft.com/office/drawing/2014/main" id="{EFA21D35-70A2-4FE8-AD88-CB7BAEBE06B1}"/>
+              </a:ext>
+            </a:extLst>
+          </p:cNvPr>
+          <p:cNvCxnSpPr/>
+          <p:nvPr/>
+        </p:nvCxnSpPr>
+        <p:spPr>
+          <a:xfrm>
+            <a:off x="1216189" y="922439"/>
+            <a:ext cx="2059864" cy="0"/>
+          </a:xfrm>
+          <a:prstGeom prst="line">
+            <a:avLst/>
+          </a:prstGeom>
+          <a:solidFill>
+            <a:schemeClr val="accent2"/>
+          </a:solidFill>
+          <a:ln>
+            <a:solidFill>
+              <a:schemeClr val="bg1"/>
+            </a:solidFill>
+            <a:prstDash val="dash"/>
+          </a:ln>
+        </p:spPr>
+        <p:style>
+          <a:lnRef idx="1">
+            <a:schemeClr val="accent1"/>
+          </a:lnRef>
+          <a:fillRef idx="0">
+            <a:schemeClr val="accent1"/>
+          </a:fillRef>
+          <a:effectRef idx="0">
+            <a:schemeClr val="accent1"/>
+          </a:effectRef>
+          <a:fontRef idx="minor">
+            <a:schemeClr val="tx1"/>
+          </a:fontRef>
+        </p:style>
+      </p:cxnSp>
       <p:sp>
         <p:nvSpPr>
-          <p:cNvPr id="8" name="오각형 7"/>
+          <p:cNvPr id="12" name="TextBox 11">
+            <a:extLst>
+              <a:ext uri="{FF2B5EF4-FFF2-40B4-BE49-F238E27FC236}">
+                <a16:creationId xmlns:a16="http://schemas.microsoft.com/office/drawing/2014/main" id="{AD4BFDDC-C95F-4B86-B8B4-9F7B9E13669D}"/>
+              </a:ext>
+            </a:extLst>
+          </p:cNvPr>
+          <p:cNvSpPr txBox="1"/>
+          <p:nvPr/>
+        </p:nvSpPr>
+        <p:spPr>
+          <a:xfrm>
+            <a:off x="1135979" y="2062108"/>
+            <a:ext cx="867545" cy="584775"/>
+          </a:xfrm>
+          <a:prstGeom prst="rect">
+            <a:avLst/>
+          </a:prstGeom>
+          <a:noFill/>
+        </p:spPr>
+        <p:txBody>
+          <a:bodyPr wrap="none" rtlCol="0">
+            <a:spAutoFit/>
+          </a:bodyPr>
+          <a:lstStyle/>
+          <a:p>
+            <a:r>
+              <a:rPr lang="en-US" altLang="ko-KR" sz="3200" dirty="0">
+                <a:solidFill>
+                  <a:schemeClr val="bg1"/>
+                </a:solidFill>
+              </a:rPr>
+              <a:t>005</a:t>
+            </a:r>
+            <a:endParaRPr lang="ko-KR" altLang="en-US" sz="3200" dirty="0">
+              <a:solidFill>
+                <a:schemeClr val="bg1"/>
+              </a:solidFill>
+            </a:endParaRPr>
+          </a:p>
+        </p:txBody>
+      </p:sp>
+      <p:sp>
+        <p:nvSpPr>
+          <p:cNvPr id="13" name="TextBox 12">
+            <a:extLst>
+              <a:ext uri="{FF2B5EF4-FFF2-40B4-BE49-F238E27FC236}">
+                <a16:creationId xmlns:a16="http://schemas.microsoft.com/office/drawing/2014/main" id="{97DA1690-4F3A-4836-A5C5-C7DE6FEC1B9D}"/>
+              </a:ext>
+            </a:extLst>
+          </p:cNvPr>
+          <p:cNvSpPr txBox="1"/>
+          <p:nvPr/>
+        </p:nvSpPr>
+        <p:spPr>
+          <a:xfrm>
+            <a:off x="1114499" y="2648981"/>
+            <a:ext cx="2350323" cy="1077218"/>
+          </a:xfrm>
+          <a:prstGeom prst="rect">
+            <a:avLst/>
+          </a:prstGeom>
+          <a:noFill/>
+        </p:spPr>
+        <p:txBody>
+          <a:bodyPr wrap="none" rtlCol="0">
+            <a:spAutoFit/>
+          </a:bodyPr>
+          <a:lstStyle/>
+          <a:p>
+            <a:r>
+              <a:rPr lang="ko-KR" altLang="en-US" sz="3200" dirty="0">
+                <a:solidFill>
+                  <a:schemeClr val="bg1"/>
+                </a:solidFill>
+              </a:rPr>
+              <a:t>타 게임과의</a:t>
+            </a:r>
+            <a:endParaRPr lang="en-US" altLang="ko-KR" sz="3200" dirty="0">
+              <a:solidFill>
+                <a:schemeClr val="bg1"/>
+              </a:solidFill>
+            </a:endParaRPr>
+          </a:p>
+          <a:p>
+            <a:r>
+              <a:rPr lang="ko-KR" altLang="en-US" sz="3200" dirty="0">
+                <a:solidFill>
+                  <a:schemeClr val="bg1"/>
+                </a:solidFill>
+              </a:rPr>
+              <a:t>차별성</a:t>
+            </a:r>
+          </a:p>
+        </p:txBody>
+      </p:sp>
+      <p:sp>
+        <p:nvSpPr>
+          <p:cNvPr id="14" name="TextBox 13">
+            <a:extLst>
+              <a:ext uri="{FF2B5EF4-FFF2-40B4-BE49-F238E27FC236}">
+                <a16:creationId xmlns:a16="http://schemas.microsoft.com/office/drawing/2014/main" id="{52FE2403-12F8-42E6-B4F8-2C3482B094A2}"/>
+              </a:ext>
+            </a:extLst>
+          </p:cNvPr>
+          <p:cNvSpPr txBox="1"/>
+          <p:nvPr/>
+        </p:nvSpPr>
+        <p:spPr>
+          <a:xfrm>
+            <a:off x="960208" y="2761190"/>
+            <a:ext cx="2178802" cy="1384995"/>
+          </a:xfrm>
+          <a:prstGeom prst="rect">
+            <a:avLst/>
+          </a:prstGeom>
+          <a:noFill/>
+        </p:spPr>
+        <p:txBody>
+          <a:bodyPr wrap="none" rtlCol="0">
+            <a:spAutoFit/>
+          </a:bodyPr>
+          <a:lstStyle/>
+          <a:p>
+            <a:r>
+              <a:rPr lang="en-US" altLang="ko-KR" sz="2800" dirty="0">
+                <a:solidFill>
+                  <a:schemeClr val="bg1"/>
+                </a:solidFill>
+              </a:rPr>
+              <a:t>005</a:t>
+            </a:r>
+            <a:r>
+              <a:rPr lang="ko-KR" altLang="en-US" sz="2800" dirty="0">
+                <a:solidFill>
+                  <a:schemeClr val="bg1"/>
+                </a:solidFill>
+              </a:rPr>
+              <a:t>  </a:t>
+            </a:r>
+            <a:endParaRPr lang="en-US" altLang="ko-KR" sz="2800" dirty="0">
+              <a:solidFill>
+                <a:schemeClr val="bg1"/>
+              </a:solidFill>
+            </a:endParaRPr>
+          </a:p>
+          <a:p>
+            <a:r>
+              <a:rPr lang="ko-KR" altLang="en-US" sz="2800" dirty="0">
+                <a:solidFill>
+                  <a:schemeClr val="bg1"/>
+                </a:solidFill>
+              </a:rPr>
+              <a:t>타 게임과의 </a:t>
+            </a:r>
+            <a:endParaRPr lang="en-US" altLang="ko-KR" sz="2800" dirty="0">
+              <a:solidFill>
+                <a:schemeClr val="bg1"/>
+              </a:solidFill>
+            </a:endParaRPr>
+          </a:p>
+          <a:p>
+            <a:r>
+              <a:rPr lang="ko-KR" altLang="en-US" sz="2800" dirty="0">
+                <a:solidFill>
+                  <a:schemeClr val="bg1"/>
+                </a:solidFill>
+              </a:rPr>
+              <a:t>차별성</a:t>
+            </a:r>
+          </a:p>
+        </p:txBody>
+      </p:sp>
+      <p:cxnSp>
+        <p:nvCxnSpPr>
+          <p:cNvPr id="15" name="직선 연결선 14">
+            <a:extLst>
+              <a:ext uri="{FF2B5EF4-FFF2-40B4-BE49-F238E27FC236}">
+                <a16:creationId xmlns:a16="http://schemas.microsoft.com/office/drawing/2014/main" id="{36E71008-9A40-4336-99DB-8BCC5B2441D0}"/>
+              </a:ext>
+            </a:extLst>
+          </p:cNvPr>
+          <p:cNvCxnSpPr/>
+          <p:nvPr/>
+        </p:nvCxnSpPr>
+        <p:spPr>
+          <a:xfrm>
+            <a:off x="1216189" y="3726199"/>
+            <a:ext cx="2059864" cy="0"/>
+          </a:xfrm>
+          <a:prstGeom prst="line">
+            <a:avLst/>
+          </a:prstGeom>
+          <a:solidFill>
+            <a:schemeClr val="accent2"/>
+          </a:solidFill>
+          <a:ln>
+            <a:solidFill>
+              <a:schemeClr val="bg1"/>
+            </a:solidFill>
+            <a:prstDash val="dash"/>
+          </a:ln>
+        </p:spPr>
+        <p:style>
+          <a:lnRef idx="1">
+            <a:schemeClr val="accent1"/>
+          </a:lnRef>
+          <a:fillRef idx="0">
+            <a:schemeClr val="accent1"/>
+          </a:fillRef>
+          <a:effectRef idx="0">
+            <a:schemeClr val="accent1"/>
+          </a:effectRef>
+          <a:fontRef idx="minor">
+            <a:schemeClr val="tx1"/>
+          </a:fontRef>
+        </p:style>
+      </p:cxnSp>
+      <p:cxnSp>
+        <p:nvCxnSpPr>
+          <p:cNvPr id="18" name="직선 연결선 17">
+            <a:extLst>
+              <a:ext uri="{FF2B5EF4-FFF2-40B4-BE49-F238E27FC236}">
+                <a16:creationId xmlns:a16="http://schemas.microsoft.com/office/drawing/2014/main" id="{D0E2269C-0BE3-46FE-AD31-F69F35F2B448}"/>
+              </a:ext>
+            </a:extLst>
+          </p:cNvPr>
+          <p:cNvCxnSpPr/>
+          <p:nvPr/>
+        </p:nvCxnSpPr>
+        <p:spPr>
+          <a:xfrm>
+            <a:off x="1216189" y="922439"/>
+            <a:ext cx="2059864" cy="0"/>
+          </a:xfrm>
+          <a:prstGeom prst="line">
+            <a:avLst/>
+          </a:prstGeom>
+          <a:solidFill>
+            <a:schemeClr val="accent2"/>
+          </a:solidFill>
+          <a:ln>
+            <a:solidFill>
+              <a:schemeClr val="bg1"/>
+            </a:solidFill>
+            <a:prstDash val="dash"/>
+          </a:ln>
+        </p:spPr>
+        <p:style>
+          <a:lnRef idx="1">
+            <a:schemeClr val="accent1"/>
+          </a:lnRef>
+          <a:fillRef idx="0">
+            <a:schemeClr val="accent1"/>
+          </a:fillRef>
+          <a:effectRef idx="0">
+            <a:schemeClr val="accent1"/>
+          </a:effectRef>
+          <a:fontRef idx="minor">
+            <a:schemeClr val="tx1"/>
+          </a:fontRef>
+        </p:style>
+      </p:cxnSp>
+      <p:sp>
+        <p:nvSpPr>
+          <p:cNvPr id="19" name="TextBox 18">
+            <a:extLst>
+              <a:ext uri="{FF2B5EF4-FFF2-40B4-BE49-F238E27FC236}">
+                <a16:creationId xmlns:a16="http://schemas.microsoft.com/office/drawing/2014/main" id="{D019EE3A-08AC-4B77-81B2-BCFD4114141B}"/>
+              </a:ext>
+            </a:extLst>
+          </p:cNvPr>
+          <p:cNvSpPr txBox="1"/>
+          <p:nvPr/>
+        </p:nvSpPr>
+        <p:spPr>
+          <a:xfrm>
+            <a:off x="1216189" y="2448004"/>
+            <a:ext cx="827471" cy="584775"/>
+          </a:xfrm>
+          <a:prstGeom prst="rect">
+            <a:avLst/>
+          </a:prstGeom>
+          <a:noFill/>
+        </p:spPr>
+        <p:txBody>
+          <a:bodyPr wrap="none" rtlCol="0">
+            <a:spAutoFit/>
+          </a:bodyPr>
+          <a:lstStyle/>
+          <a:p>
+            <a:r>
+              <a:rPr lang="en-US" altLang="ko-KR" sz="3200" dirty="0">
+                <a:solidFill>
+                  <a:schemeClr val="bg1"/>
+                </a:solidFill>
+              </a:rPr>
+              <a:t>001</a:t>
+            </a:r>
+            <a:endParaRPr lang="ko-KR" altLang="en-US" sz="3200" dirty="0">
+              <a:solidFill>
+                <a:schemeClr val="bg1"/>
+              </a:solidFill>
+            </a:endParaRPr>
+          </a:p>
+        </p:txBody>
+      </p:sp>
+      <p:sp>
+        <p:nvSpPr>
+          <p:cNvPr id="20" name="TextBox 19">
+            <a:extLst>
+              <a:ext uri="{FF2B5EF4-FFF2-40B4-BE49-F238E27FC236}">
+                <a16:creationId xmlns:a16="http://schemas.microsoft.com/office/drawing/2014/main" id="{E3F9E995-29C6-4370-8227-80CDF341AA25}"/>
+              </a:ext>
+            </a:extLst>
+          </p:cNvPr>
+          <p:cNvSpPr txBox="1"/>
+          <p:nvPr/>
+        </p:nvSpPr>
+        <p:spPr>
+          <a:xfrm>
+            <a:off x="1194709" y="3034877"/>
+            <a:ext cx="1826141" cy="584775"/>
+          </a:xfrm>
+          <a:prstGeom prst="rect">
+            <a:avLst/>
+          </a:prstGeom>
+          <a:noFill/>
+        </p:spPr>
+        <p:txBody>
+          <a:bodyPr wrap="none" rtlCol="0">
+            <a:spAutoFit/>
+          </a:bodyPr>
+          <a:lstStyle/>
+          <a:p>
+            <a:r>
+              <a:rPr lang="ko-KR" altLang="en-US" sz="3200" dirty="0">
+                <a:solidFill>
+                  <a:schemeClr val="bg1"/>
+                </a:solidFill>
+              </a:rPr>
+              <a:t>연구목적</a:t>
+            </a:r>
+          </a:p>
+        </p:txBody>
+      </p:sp>
+      <p:sp>
+        <p:nvSpPr>
+          <p:cNvPr id="21" name="오각형 7">
+            <a:extLst>
+              <a:ext uri="{FF2B5EF4-FFF2-40B4-BE49-F238E27FC236}">
+                <a16:creationId xmlns:a16="http://schemas.microsoft.com/office/drawing/2014/main" id="{D7025B42-25BE-46F9-8DC8-3AE64EEDD5B3}"/>
+              </a:ext>
+            </a:extLst>
+          </p:cNvPr>
           <p:cNvSpPr/>
           <p:nvPr/>
         </p:nvSpPr>
         <p:spPr>
           <a:xfrm rot="5400000">
-            <a:off x="-780014" y="1846229"/>
+            <a:off x="-902571" y="1846229"/>
             <a:ext cx="6028661" cy="2336201"/>
           </a:xfrm>
           <a:prstGeom prst="homePlate">
@@ -10175,14 +12160,22 @@
       </p:sp>
       <p:cxnSp>
         <p:nvCxnSpPr>
-          <p:cNvPr id="9" name="직선 연결선 8"/>
-          <p:cNvCxnSpPr/>
+          <p:cNvPr id="22" name="직선 연결선 21">
+            <a:extLst>
+              <a:ext uri="{FF2B5EF4-FFF2-40B4-BE49-F238E27FC236}">
+                <a16:creationId xmlns:a16="http://schemas.microsoft.com/office/drawing/2014/main" id="{619C56D5-27E8-400B-BFAD-7548278009DD}"/>
+              </a:ext>
+            </a:extLst>
+          </p:cNvPr>
+          <p:cNvCxnSpPr>
+            <a:cxnSpLocks/>
+          </p:cNvCxnSpPr>
           <p:nvPr/>
         </p:nvCxnSpPr>
         <p:spPr>
           <a:xfrm>
-            <a:off x="1216189" y="3726199"/>
-            <a:ext cx="2059864" cy="0"/>
+            <a:off x="943659" y="3715297"/>
+            <a:ext cx="2332394" cy="10902"/>
           </a:xfrm>
           <a:prstGeom prst="line">
             <a:avLst/>
@@ -10214,14 +12207,22 @@
       </p:cxnSp>
       <p:cxnSp>
         <p:nvCxnSpPr>
-          <p:cNvPr id="11" name="직선 연결선 10"/>
-          <p:cNvCxnSpPr/>
+          <p:cNvPr id="23" name="직선 연결선 22">
+            <a:extLst>
+              <a:ext uri="{FF2B5EF4-FFF2-40B4-BE49-F238E27FC236}">
+                <a16:creationId xmlns:a16="http://schemas.microsoft.com/office/drawing/2014/main" id="{284F6F13-44FC-4C9D-B5F8-65CE28F6E80E}"/>
+              </a:ext>
+            </a:extLst>
+          </p:cNvPr>
+          <p:cNvCxnSpPr>
+            <a:cxnSpLocks/>
+          </p:cNvCxnSpPr>
           <p:nvPr/>
         </p:nvCxnSpPr>
         <p:spPr>
           <a:xfrm>
-            <a:off x="1216189" y="922439"/>
-            <a:ext cx="2059864" cy="0"/>
+            <a:off x="943659" y="922439"/>
+            <a:ext cx="2332394" cy="0"/>
           </a:xfrm>
           <a:prstGeom prst="line">
             <a:avLst/>
@@ -10253,14 +12254,20 @@
       </p:cxnSp>
       <p:sp>
         <p:nvSpPr>
-          <p:cNvPr id="16" name="TextBox 15"/>
+          <p:cNvPr id="24" name="TextBox 23">
+            <a:extLst>
+              <a:ext uri="{FF2B5EF4-FFF2-40B4-BE49-F238E27FC236}">
+                <a16:creationId xmlns:a16="http://schemas.microsoft.com/office/drawing/2014/main" id="{BB03595C-EEA4-4283-9145-948E77719B6D}"/>
+              </a:ext>
+            </a:extLst>
+          </p:cNvPr>
           <p:cNvSpPr txBox="1"/>
           <p:nvPr/>
         </p:nvSpPr>
         <p:spPr>
           <a:xfrm>
-            <a:off x="1135979" y="2062108"/>
-            <a:ext cx="867545" cy="584775"/>
+            <a:off x="960208" y="2347832"/>
+            <a:ext cx="1620957" cy="954107"/>
           </a:xfrm>
           <a:prstGeom prst="rect">
             <a:avLst/>
@@ -10274,45 +12281,30 @@
           <a:lstStyle/>
           <a:p>
             <a:r>
-              <a:rPr lang="en-US" altLang="ko-KR" sz="3200" dirty="0">
+              <a:rPr lang="en-US" altLang="ko-KR" sz="2800" dirty="0">
                 <a:solidFill>
                   <a:schemeClr val="bg1"/>
                 </a:solidFill>
               </a:rPr>
               <a:t>007</a:t>
             </a:r>
-            <a:endParaRPr lang="ko-KR" altLang="en-US" sz="3200" dirty="0">
+            <a:r>
+              <a:rPr lang="ko-KR" altLang="en-US" sz="2800" dirty="0">
+                <a:solidFill>
+                  <a:schemeClr val="bg1"/>
+                </a:solidFill>
+              </a:rPr>
+              <a:t>  </a:t>
+            </a:r>
+            <a:endParaRPr lang="en-US" altLang="ko-KR" sz="2800" dirty="0">
               <a:solidFill>
                 <a:schemeClr val="bg1"/>
               </a:solidFill>
             </a:endParaRPr>
           </a:p>
-        </p:txBody>
-      </p:sp>
-      <p:sp>
-        <p:nvSpPr>
-          <p:cNvPr id="17" name="TextBox 16"/>
-          <p:cNvSpPr txBox="1"/>
-          <p:nvPr/>
-        </p:nvSpPr>
-        <p:spPr>
-          <a:xfrm>
-            <a:off x="1114499" y="2648981"/>
-            <a:ext cx="1826141" cy="584775"/>
-          </a:xfrm>
-          <a:prstGeom prst="rect">
-            <a:avLst/>
-          </a:prstGeom>
-          <a:noFill/>
-        </p:spPr>
-        <p:txBody>
-          <a:bodyPr wrap="none" rtlCol="0">
-            <a:spAutoFit/>
-          </a:bodyPr>
-          <a:lstStyle/>
-          <a:p>
-            <a:r>
-              <a:rPr lang="ko-KR" altLang="en-US" sz="3200" dirty="0">
+          <a:p>
+            <a:r>
+              <a:rPr lang="ko-KR" altLang="en-US" sz="2800" dirty="0">
                 <a:solidFill>
                   <a:schemeClr val="bg1"/>
                 </a:solidFill>
@@ -12688,15 +14680,170 @@
           <a:chExt cx="0" cy="0"/>
         </a:xfrm>
       </p:grpSpPr>
+      <p:cxnSp>
+        <p:nvCxnSpPr>
+          <p:cNvPr id="9" name="직선 연결선 8"/>
+          <p:cNvCxnSpPr/>
+          <p:nvPr/>
+        </p:nvCxnSpPr>
+        <p:spPr>
+          <a:xfrm>
+            <a:off x="1216189" y="3726199"/>
+            <a:ext cx="2059864" cy="0"/>
+          </a:xfrm>
+          <a:prstGeom prst="line">
+            <a:avLst/>
+          </a:prstGeom>
+          <a:solidFill>
+            <a:schemeClr val="accent2"/>
+          </a:solidFill>
+          <a:ln>
+            <a:solidFill>
+              <a:schemeClr val="bg1"/>
+            </a:solidFill>
+            <a:prstDash val="dash"/>
+          </a:ln>
+        </p:spPr>
+        <p:style>
+          <a:lnRef idx="1">
+            <a:schemeClr val="accent1"/>
+          </a:lnRef>
+          <a:fillRef idx="0">
+            <a:schemeClr val="accent1"/>
+          </a:fillRef>
+          <a:effectRef idx="0">
+            <a:schemeClr val="accent1"/>
+          </a:effectRef>
+          <a:fontRef idx="minor">
+            <a:schemeClr val="tx1"/>
+          </a:fontRef>
+        </p:style>
+      </p:cxnSp>
+      <p:cxnSp>
+        <p:nvCxnSpPr>
+          <p:cNvPr id="11" name="직선 연결선 10"/>
+          <p:cNvCxnSpPr/>
+          <p:nvPr/>
+        </p:nvCxnSpPr>
+        <p:spPr>
+          <a:xfrm>
+            <a:off x="1216189" y="922439"/>
+            <a:ext cx="2059864" cy="0"/>
+          </a:xfrm>
+          <a:prstGeom prst="line">
+            <a:avLst/>
+          </a:prstGeom>
+          <a:solidFill>
+            <a:schemeClr val="accent2"/>
+          </a:solidFill>
+          <a:ln>
+            <a:solidFill>
+              <a:schemeClr val="bg1"/>
+            </a:solidFill>
+            <a:prstDash val="dash"/>
+          </a:ln>
+        </p:spPr>
+        <p:style>
+          <a:lnRef idx="1">
+            <a:schemeClr val="accent1"/>
+          </a:lnRef>
+          <a:fillRef idx="0">
+            <a:schemeClr val="accent1"/>
+          </a:fillRef>
+          <a:effectRef idx="0">
+            <a:schemeClr val="accent1"/>
+          </a:effectRef>
+          <a:fontRef idx="minor">
+            <a:schemeClr val="tx1"/>
+          </a:fontRef>
+        </p:style>
+      </p:cxnSp>
       <p:sp>
         <p:nvSpPr>
-          <p:cNvPr id="8" name="오각형 7"/>
+          <p:cNvPr id="16" name="TextBox 15"/>
+          <p:cNvSpPr txBox="1"/>
+          <p:nvPr/>
+        </p:nvSpPr>
+        <p:spPr>
+          <a:xfrm>
+            <a:off x="1216189" y="2448004"/>
+            <a:ext cx="827471" cy="584775"/>
+          </a:xfrm>
+          <a:prstGeom prst="rect">
+            <a:avLst/>
+          </a:prstGeom>
+          <a:noFill/>
+        </p:spPr>
+        <p:txBody>
+          <a:bodyPr wrap="none" rtlCol="0">
+            <a:spAutoFit/>
+          </a:bodyPr>
+          <a:lstStyle/>
+          <a:p>
+            <a:r>
+              <a:rPr lang="en-US" altLang="ko-KR" sz="3200" dirty="0">
+                <a:solidFill>
+                  <a:schemeClr val="bg1"/>
+                </a:solidFill>
+              </a:rPr>
+              <a:t>001</a:t>
+            </a:r>
+            <a:endParaRPr lang="ko-KR" altLang="en-US" sz="3200" dirty="0">
+              <a:solidFill>
+                <a:schemeClr val="bg1"/>
+              </a:solidFill>
+            </a:endParaRPr>
+          </a:p>
+        </p:txBody>
+      </p:sp>
+      <p:sp>
+        <p:nvSpPr>
+          <p:cNvPr id="17" name="TextBox 16"/>
+          <p:cNvSpPr txBox="1"/>
+          <p:nvPr/>
+        </p:nvSpPr>
+        <p:spPr>
+          <a:xfrm>
+            <a:off x="1194709" y="3034877"/>
+            <a:ext cx="1826141" cy="584775"/>
+          </a:xfrm>
+          <a:prstGeom prst="rect">
+            <a:avLst/>
+          </a:prstGeom>
+          <a:noFill/>
+        </p:spPr>
+        <p:txBody>
+          <a:bodyPr wrap="none" rtlCol="0">
+            <a:spAutoFit/>
+          </a:bodyPr>
+          <a:lstStyle/>
+          <a:p>
+            <a:r>
+              <a:rPr lang="ko-KR" altLang="en-US" sz="3200" dirty="0">
+                <a:solidFill>
+                  <a:schemeClr val="bg1"/>
+                </a:solidFill>
+              </a:rPr>
+              <a:t>연구목적</a:t>
+            </a:r>
+          </a:p>
+        </p:txBody>
+      </p:sp>
+      <p:sp>
+        <p:nvSpPr>
+          <p:cNvPr id="7" name="오각형 7">
+            <a:extLst>
+              <a:ext uri="{FF2B5EF4-FFF2-40B4-BE49-F238E27FC236}">
+                <a16:creationId xmlns:a16="http://schemas.microsoft.com/office/drawing/2014/main" id="{D7EA55E2-E143-4A14-BDC2-BD200700D13A}"/>
+              </a:ext>
+            </a:extLst>
+          </p:cNvPr>
           <p:cNvSpPr/>
           <p:nvPr/>
         </p:nvSpPr>
         <p:spPr>
           <a:xfrm rot="5400000">
-            <a:off x="-780014" y="1846229"/>
+            <a:off x="-902571" y="1846229"/>
             <a:ext cx="6028661" cy="2336201"/>
           </a:xfrm>
           <a:prstGeom prst="homePlate">
@@ -12744,14 +14891,22 @@
       </p:sp>
       <p:cxnSp>
         <p:nvCxnSpPr>
-          <p:cNvPr id="9" name="직선 연결선 8"/>
-          <p:cNvCxnSpPr/>
+          <p:cNvPr id="10" name="직선 연결선 9">
+            <a:extLst>
+              <a:ext uri="{FF2B5EF4-FFF2-40B4-BE49-F238E27FC236}">
+                <a16:creationId xmlns:a16="http://schemas.microsoft.com/office/drawing/2014/main" id="{7C97B315-DAD8-4C4A-AFD1-16E7F71199B3}"/>
+              </a:ext>
+            </a:extLst>
+          </p:cNvPr>
+          <p:cNvCxnSpPr>
+            <a:cxnSpLocks/>
+          </p:cNvCxnSpPr>
           <p:nvPr/>
         </p:nvCxnSpPr>
         <p:spPr>
           <a:xfrm>
-            <a:off x="1216189" y="3726199"/>
-            <a:ext cx="2059864" cy="0"/>
+            <a:off x="943659" y="3715297"/>
+            <a:ext cx="2332394" cy="10902"/>
           </a:xfrm>
           <a:prstGeom prst="line">
             <a:avLst/>
@@ -12783,14 +14938,22 @@
       </p:cxnSp>
       <p:cxnSp>
         <p:nvCxnSpPr>
-          <p:cNvPr id="11" name="직선 연결선 10"/>
-          <p:cNvCxnSpPr/>
+          <p:cNvPr id="12" name="직선 연결선 11">
+            <a:extLst>
+              <a:ext uri="{FF2B5EF4-FFF2-40B4-BE49-F238E27FC236}">
+                <a16:creationId xmlns:a16="http://schemas.microsoft.com/office/drawing/2014/main" id="{E168F5E6-5974-476C-ADB6-7504187CFD24}"/>
+              </a:ext>
+            </a:extLst>
+          </p:cNvPr>
+          <p:cNvCxnSpPr>
+            <a:cxnSpLocks/>
+          </p:cNvCxnSpPr>
           <p:nvPr/>
         </p:nvCxnSpPr>
         <p:spPr>
           <a:xfrm>
-            <a:off x="1216189" y="922439"/>
-            <a:ext cx="2059864" cy="0"/>
+            <a:off x="943659" y="922439"/>
+            <a:ext cx="2332394" cy="0"/>
           </a:xfrm>
           <a:prstGeom prst="line">
             <a:avLst/>
@@ -12822,14 +14985,20 @@
       </p:cxnSp>
       <p:sp>
         <p:nvSpPr>
-          <p:cNvPr id="16" name="TextBox 15"/>
+          <p:cNvPr id="13" name="TextBox 12">
+            <a:extLst>
+              <a:ext uri="{FF2B5EF4-FFF2-40B4-BE49-F238E27FC236}">
+                <a16:creationId xmlns:a16="http://schemas.microsoft.com/office/drawing/2014/main" id="{978923E5-A290-4B94-86F6-F630F1A56CCA}"/>
+              </a:ext>
+            </a:extLst>
+          </p:cNvPr>
           <p:cNvSpPr txBox="1"/>
           <p:nvPr/>
         </p:nvSpPr>
         <p:spPr>
           <a:xfrm>
-            <a:off x="1216189" y="2448004"/>
-            <a:ext cx="827471" cy="584775"/>
+            <a:off x="960208" y="2761190"/>
+            <a:ext cx="1620957" cy="954107"/>
           </a:xfrm>
           <a:prstGeom prst="rect">
             <a:avLst/>
@@ -12843,45 +15012,30 @@
           <a:lstStyle/>
           <a:p>
             <a:r>
-              <a:rPr lang="en-US" altLang="ko-KR" sz="3200" dirty="0">
+              <a:rPr lang="en-US" altLang="ko-KR" sz="2800" dirty="0">
                 <a:solidFill>
                   <a:schemeClr val="bg1"/>
                 </a:solidFill>
               </a:rPr>
               <a:t>001</a:t>
             </a:r>
-            <a:endParaRPr lang="ko-KR" altLang="en-US" sz="3200" dirty="0">
+            <a:r>
+              <a:rPr lang="ko-KR" altLang="en-US" sz="2800" dirty="0">
+                <a:solidFill>
+                  <a:schemeClr val="bg1"/>
+                </a:solidFill>
+              </a:rPr>
+              <a:t>  </a:t>
+            </a:r>
+            <a:endParaRPr lang="en-US" altLang="ko-KR" sz="2800" dirty="0">
               <a:solidFill>
                 <a:schemeClr val="bg1"/>
               </a:solidFill>
             </a:endParaRPr>
           </a:p>
-        </p:txBody>
-      </p:sp>
-      <p:sp>
-        <p:nvSpPr>
-          <p:cNvPr id="17" name="TextBox 16"/>
-          <p:cNvSpPr txBox="1"/>
-          <p:nvPr/>
-        </p:nvSpPr>
-        <p:spPr>
-          <a:xfrm>
-            <a:off x="1194709" y="3034877"/>
-            <a:ext cx="1826141" cy="584775"/>
-          </a:xfrm>
-          <a:prstGeom prst="rect">
-            <a:avLst/>
-          </a:prstGeom>
-          <a:noFill/>
-        </p:spPr>
-        <p:txBody>
-          <a:bodyPr wrap="none" rtlCol="0">
-            <a:spAutoFit/>
-          </a:bodyPr>
-          <a:lstStyle/>
-          <a:p>
-            <a:r>
-              <a:rPr lang="ko-KR" altLang="en-US" sz="3200" dirty="0">
+          <a:p>
+            <a:r>
+              <a:rPr lang="ko-KR" altLang="en-US" sz="2800" dirty="0">
                 <a:solidFill>
                   <a:schemeClr val="bg1"/>
                 </a:solidFill>
@@ -13448,9 +15602,188 @@
           <a:chExt cx="0" cy="0"/>
         </a:xfrm>
       </p:grpSpPr>
+      <p:cxnSp>
+        <p:nvCxnSpPr>
+          <p:cNvPr id="7" name="직선 연결선 6">
+            <a:extLst>
+              <a:ext uri="{FF2B5EF4-FFF2-40B4-BE49-F238E27FC236}">
+                <a16:creationId xmlns:a16="http://schemas.microsoft.com/office/drawing/2014/main" id="{D020F424-9DB1-4ED0-9924-41EA4D3C6CDD}"/>
+              </a:ext>
+            </a:extLst>
+          </p:cNvPr>
+          <p:cNvCxnSpPr/>
+          <p:nvPr/>
+        </p:nvCxnSpPr>
+        <p:spPr>
+          <a:xfrm>
+            <a:off x="1216189" y="3726199"/>
+            <a:ext cx="2059864" cy="0"/>
+          </a:xfrm>
+          <a:prstGeom prst="line">
+            <a:avLst/>
+          </a:prstGeom>
+          <a:solidFill>
+            <a:schemeClr val="accent2"/>
+          </a:solidFill>
+          <a:ln>
+            <a:solidFill>
+              <a:schemeClr val="bg1"/>
+            </a:solidFill>
+            <a:prstDash val="dash"/>
+          </a:ln>
+        </p:spPr>
+        <p:style>
+          <a:lnRef idx="1">
+            <a:schemeClr val="accent1"/>
+          </a:lnRef>
+          <a:fillRef idx="0">
+            <a:schemeClr val="accent1"/>
+          </a:fillRef>
+          <a:effectRef idx="0">
+            <a:schemeClr val="accent1"/>
+          </a:effectRef>
+          <a:fontRef idx="minor">
+            <a:schemeClr val="tx1"/>
+          </a:fontRef>
+        </p:style>
+      </p:cxnSp>
+      <p:cxnSp>
+        <p:nvCxnSpPr>
+          <p:cNvPr id="10" name="직선 연결선 9">
+            <a:extLst>
+              <a:ext uri="{FF2B5EF4-FFF2-40B4-BE49-F238E27FC236}">
+                <a16:creationId xmlns:a16="http://schemas.microsoft.com/office/drawing/2014/main" id="{39A9318C-6FA7-43EE-8E19-F2DD32C9A54C}"/>
+              </a:ext>
+            </a:extLst>
+          </p:cNvPr>
+          <p:cNvCxnSpPr/>
+          <p:nvPr/>
+        </p:nvCxnSpPr>
+        <p:spPr>
+          <a:xfrm>
+            <a:off x="1216189" y="922439"/>
+            <a:ext cx="2059864" cy="0"/>
+          </a:xfrm>
+          <a:prstGeom prst="line">
+            <a:avLst/>
+          </a:prstGeom>
+          <a:solidFill>
+            <a:schemeClr val="accent2"/>
+          </a:solidFill>
+          <a:ln>
+            <a:solidFill>
+              <a:schemeClr val="bg1"/>
+            </a:solidFill>
+            <a:prstDash val="dash"/>
+          </a:ln>
+        </p:spPr>
+        <p:style>
+          <a:lnRef idx="1">
+            <a:schemeClr val="accent1"/>
+          </a:lnRef>
+          <a:fillRef idx="0">
+            <a:schemeClr val="accent1"/>
+          </a:fillRef>
+          <a:effectRef idx="0">
+            <a:schemeClr val="accent1"/>
+          </a:effectRef>
+          <a:fontRef idx="minor">
+            <a:schemeClr val="tx1"/>
+          </a:fontRef>
+        </p:style>
+      </p:cxnSp>
       <p:sp>
         <p:nvSpPr>
-          <p:cNvPr id="8" name="오각형 7"/>
+          <p:cNvPr id="12" name="TextBox 11">
+            <a:extLst>
+              <a:ext uri="{FF2B5EF4-FFF2-40B4-BE49-F238E27FC236}">
+                <a16:creationId xmlns:a16="http://schemas.microsoft.com/office/drawing/2014/main" id="{1E2A083F-B9B9-4DE2-99D8-85F7BBF5AF4C}"/>
+              </a:ext>
+            </a:extLst>
+          </p:cNvPr>
+          <p:cNvSpPr txBox="1"/>
+          <p:nvPr/>
+        </p:nvSpPr>
+        <p:spPr>
+          <a:xfrm>
+            <a:off x="1216189" y="2448004"/>
+            <a:ext cx="827471" cy="584775"/>
+          </a:xfrm>
+          <a:prstGeom prst="rect">
+            <a:avLst/>
+          </a:prstGeom>
+          <a:noFill/>
+        </p:spPr>
+        <p:txBody>
+          <a:bodyPr wrap="none" rtlCol="0">
+            <a:spAutoFit/>
+          </a:bodyPr>
+          <a:lstStyle/>
+          <a:p>
+            <a:r>
+              <a:rPr lang="en-US" altLang="ko-KR" sz="3200" dirty="0">
+                <a:solidFill>
+                  <a:schemeClr val="bg1"/>
+                </a:solidFill>
+              </a:rPr>
+              <a:t>001</a:t>
+            </a:r>
+            <a:endParaRPr lang="ko-KR" altLang="en-US" sz="3200" dirty="0">
+              <a:solidFill>
+                <a:schemeClr val="bg1"/>
+              </a:solidFill>
+            </a:endParaRPr>
+          </a:p>
+        </p:txBody>
+      </p:sp>
+      <p:sp>
+        <p:nvSpPr>
+          <p:cNvPr id="13" name="TextBox 12">
+            <a:extLst>
+              <a:ext uri="{FF2B5EF4-FFF2-40B4-BE49-F238E27FC236}">
+                <a16:creationId xmlns:a16="http://schemas.microsoft.com/office/drawing/2014/main" id="{B7359C06-53F1-452D-9288-1C00BC856F19}"/>
+              </a:ext>
+            </a:extLst>
+          </p:cNvPr>
+          <p:cNvSpPr txBox="1"/>
+          <p:nvPr/>
+        </p:nvSpPr>
+        <p:spPr>
+          <a:xfrm>
+            <a:off x="1194709" y="3034877"/>
+            <a:ext cx="1826141" cy="584775"/>
+          </a:xfrm>
+          <a:prstGeom prst="rect">
+            <a:avLst/>
+          </a:prstGeom>
+          <a:noFill/>
+        </p:spPr>
+        <p:txBody>
+          <a:bodyPr wrap="none" rtlCol="0">
+            <a:spAutoFit/>
+          </a:bodyPr>
+          <a:lstStyle/>
+          <a:p>
+            <a:r>
+              <a:rPr lang="ko-KR" altLang="en-US" sz="3200" dirty="0">
+                <a:solidFill>
+                  <a:schemeClr val="bg1"/>
+                </a:solidFill>
+              </a:rPr>
+              <a:t>연구목적</a:t>
+            </a:r>
+          </a:p>
+        </p:txBody>
+      </p:sp>
+      <p:sp>
+        <p:nvSpPr>
+          <p:cNvPr id="14" name="오각형 7">
+            <a:extLst>
+              <a:ext uri="{FF2B5EF4-FFF2-40B4-BE49-F238E27FC236}">
+                <a16:creationId xmlns:a16="http://schemas.microsoft.com/office/drawing/2014/main" id="{2956BA61-B19D-478C-83DF-369248E24E71}"/>
+              </a:ext>
+            </a:extLst>
+          </p:cNvPr>
           <p:cNvSpPr/>
           <p:nvPr/>
         </p:nvSpPr>
@@ -13504,14 +15837,22 @@
       </p:sp>
       <p:cxnSp>
         <p:nvCxnSpPr>
-          <p:cNvPr id="9" name="직선 연결선 8"/>
-          <p:cNvCxnSpPr/>
+          <p:cNvPr id="15" name="직선 연결선 14">
+            <a:extLst>
+              <a:ext uri="{FF2B5EF4-FFF2-40B4-BE49-F238E27FC236}">
+                <a16:creationId xmlns:a16="http://schemas.microsoft.com/office/drawing/2014/main" id="{4D6A316F-97CF-4A0B-92F8-52D764093936}"/>
+              </a:ext>
+            </a:extLst>
+          </p:cNvPr>
+          <p:cNvCxnSpPr>
+            <a:cxnSpLocks/>
+          </p:cNvCxnSpPr>
           <p:nvPr/>
         </p:nvCxnSpPr>
         <p:spPr>
           <a:xfrm>
-            <a:off x="1216189" y="3726199"/>
-            <a:ext cx="2059864" cy="0"/>
+            <a:off x="943659" y="3715297"/>
+            <a:ext cx="2332394" cy="10902"/>
           </a:xfrm>
           <a:prstGeom prst="line">
             <a:avLst/>
@@ -13543,14 +15884,22 @@
       </p:cxnSp>
       <p:cxnSp>
         <p:nvCxnSpPr>
-          <p:cNvPr id="11" name="직선 연결선 10"/>
-          <p:cNvCxnSpPr/>
+          <p:cNvPr id="18" name="직선 연결선 17">
+            <a:extLst>
+              <a:ext uri="{FF2B5EF4-FFF2-40B4-BE49-F238E27FC236}">
+                <a16:creationId xmlns:a16="http://schemas.microsoft.com/office/drawing/2014/main" id="{48093AE6-C2FA-4C2D-A41D-B7043DC7CEE6}"/>
+              </a:ext>
+            </a:extLst>
+          </p:cNvPr>
+          <p:cNvCxnSpPr>
+            <a:cxnSpLocks/>
+          </p:cNvCxnSpPr>
           <p:nvPr/>
         </p:nvCxnSpPr>
         <p:spPr>
           <a:xfrm>
-            <a:off x="1216189" y="922439"/>
-            <a:ext cx="2059864" cy="0"/>
+            <a:off x="943659" y="922439"/>
+            <a:ext cx="2332394" cy="0"/>
           </a:xfrm>
           <a:prstGeom prst="line">
             <a:avLst/>
@@ -13582,14 +15931,20 @@
       </p:cxnSp>
       <p:sp>
         <p:nvSpPr>
-          <p:cNvPr id="16" name="TextBox 15"/>
+          <p:cNvPr id="19" name="TextBox 18">
+            <a:extLst>
+              <a:ext uri="{FF2B5EF4-FFF2-40B4-BE49-F238E27FC236}">
+                <a16:creationId xmlns:a16="http://schemas.microsoft.com/office/drawing/2014/main" id="{9E1137A5-8B5C-445E-A4D7-BD8246243CBB}"/>
+              </a:ext>
+            </a:extLst>
+          </p:cNvPr>
           <p:cNvSpPr txBox="1"/>
           <p:nvPr/>
         </p:nvSpPr>
         <p:spPr>
           <a:xfrm>
-            <a:off x="1064281" y="1569666"/>
-            <a:ext cx="867545" cy="584775"/>
+            <a:off x="960208" y="2347832"/>
+            <a:ext cx="2178802" cy="1384995"/>
           </a:xfrm>
           <a:prstGeom prst="rect">
             <a:avLst/>
@@ -13603,68 +15958,37 @@
           <a:lstStyle/>
           <a:p>
             <a:r>
-              <a:rPr lang="en-US" altLang="ko-KR" sz="3200" dirty="0">
+              <a:rPr lang="en-US" altLang="ko-KR" sz="2800" dirty="0">
                 <a:solidFill>
                   <a:schemeClr val="bg1"/>
                 </a:solidFill>
               </a:rPr>
               <a:t>002</a:t>
             </a:r>
-            <a:endParaRPr lang="ko-KR" altLang="en-US" sz="3200" dirty="0">
+            <a:r>
+              <a:rPr lang="ko-KR" altLang="en-US" sz="2800" dirty="0">
+                <a:solidFill>
+                  <a:schemeClr val="bg1"/>
+                </a:solidFill>
+              </a:rPr>
+              <a:t>  </a:t>
+            </a:r>
+            <a:endParaRPr lang="en-US" altLang="ko-KR" sz="2800" dirty="0">
               <a:solidFill>
                 <a:schemeClr val="bg1"/>
               </a:solidFill>
             </a:endParaRPr>
           </a:p>
-        </p:txBody>
-      </p:sp>
-      <p:sp>
-        <p:nvSpPr>
-          <p:cNvPr id="17" name="TextBox 16"/>
-          <p:cNvSpPr txBox="1"/>
-          <p:nvPr/>
-        </p:nvSpPr>
-        <p:spPr>
-          <a:xfrm>
-            <a:off x="957076" y="2156539"/>
-            <a:ext cx="2350323" cy="1077218"/>
-          </a:xfrm>
-          <a:prstGeom prst="rect">
-            <a:avLst/>
-          </a:prstGeom>
-          <a:noFill/>
-        </p:spPr>
-        <p:txBody>
-          <a:bodyPr wrap="none" rtlCol="0">
-            <a:spAutoFit/>
-          </a:bodyPr>
-          <a:lstStyle/>
-          <a:p>
-            <a:r>
-              <a:rPr lang="ko-KR" altLang="en-US" sz="3200" dirty="0">
+          <a:p>
+            <a:r>
+              <a:rPr lang="ko-KR" altLang="en-US" sz="2800" dirty="0">
                 <a:solidFill>
                   <a:schemeClr val="bg1"/>
                 </a:solidFill>
               </a:rPr>
-              <a:t>게임소개</a:t>
-            </a:r>
-            <a:r>
-              <a:rPr lang="en-US" altLang="ko-KR" sz="3200" dirty="0">
-                <a:solidFill>
-                  <a:schemeClr val="bg1"/>
-                </a:solidFill>
-              </a:rPr>
-              <a:t> </a:t>
-            </a:r>
-            <a:r>
-              <a:rPr lang="ko-KR" altLang="en-US" sz="3200" dirty="0">
-                <a:solidFill>
-                  <a:schemeClr val="bg1"/>
-                </a:solidFill>
-              </a:rPr>
-              <a:t>및</a:t>
-            </a:r>
-            <a:endParaRPr lang="en-US" altLang="ko-KR" sz="3200" dirty="0">
+              <a:t>게임소개 및 </a:t>
+            </a:r>
+            <a:endParaRPr lang="en-US" altLang="ko-KR" sz="2800" dirty="0">
               <a:solidFill>
                 <a:schemeClr val="bg1"/>
               </a:solidFill>
@@ -13672,7 +15996,7 @@
           </a:p>
           <a:p>
             <a:r>
-              <a:rPr lang="ko-KR" altLang="en-US" sz="3200" dirty="0">
+              <a:rPr lang="ko-KR" altLang="en-US" sz="2800" dirty="0">
                 <a:solidFill>
                   <a:schemeClr val="bg1"/>
                 </a:solidFill>
@@ -16128,4 +18452,299 @@
     </a:ext>
   </a:extLst>
 </a:theme>
+</file>
+
+<file path=ppt/theme/theme2.xml><?xml version="1.0" encoding="utf-8"?>
+<a:theme xmlns:a="http://schemas.openxmlformats.org/drawingml/2006/main" name="Office 테마">
+  <a:themeElements>
+    <a:clrScheme name="Office">
+      <a:dk1>
+        <a:sysClr val="windowText" lastClr="000000"/>
+      </a:dk1>
+      <a:lt1>
+        <a:sysClr val="window" lastClr="FFFFFF"/>
+      </a:lt1>
+      <a:dk2>
+        <a:srgbClr val="44546A"/>
+      </a:dk2>
+      <a:lt2>
+        <a:srgbClr val="E7E6E6"/>
+      </a:lt2>
+      <a:accent1>
+        <a:srgbClr val="4472C4"/>
+      </a:accent1>
+      <a:accent2>
+        <a:srgbClr val="ED7D31"/>
+      </a:accent2>
+      <a:accent3>
+        <a:srgbClr val="A5A5A5"/>
+      </a:accent3>
+      <a:accent4>
+        <a:srgbClr val="FFC000"/>
+      </a:accent4>
+      <a:accent5>
+        <a:srgbClr val="5B9BD5"/>
+      </a:accent5>
+      <a:accent6>
+        <a:srgbClr val="70AD47"/>
+      </a:accent6>
+      <a:hlink>
+        <a:srgbClr val="0563C1"/>
+      </a:hlink>
+      <a:folHlink>
+        <a:srgbClr val="954F72"/>
+      </a:folHlink>
+    </a:clrScheme>
+    <a:fontScheme name="Office">
+      <a:majorFont>
+        <a:latin typeface="맑은 고딕" panose="020F0302020204030204"/>
+        <a:ea typeface=""/>
+        <a:cs typeface=""/>
+        <a:font script="Jpan" typeface="游ゴシック Light"/>
+        <a:font script="Hang" typeface="맑은 고딕"/>
+        <a:font script="Hans" typeface="等线 Light"/>
+        <a:font script="Hant" typeface="新細明體"/>
+        <a:font script="Arab" typeface="Times New Roman"/>
+        <a:font script="Hebr" typeface="Times New Roman"/>
+        <a:font script="Thai" typeface="Angsana New"/>
+        <a:font script="Ethi" typeface="Nyala"/>
+        <a:font script="Beng" typeface="Vrinda"/>
+        <a:font script="Gujr" typeface="Shruti"/>
+        <a:font script="Khmr" typeface="MoolBoran"/>
+        <a:font script="Knda" typeface="Tunga"/>
+        <a:font script="Guru" typeface="Raavi"/>
+        <a:font script="Cans" typeface="Euphemia"/>
+        <a:font script="Cher" typeface="Plantagenet Cherokee"/>
+        <a:font script="Yiii" typeface="Microsoft Yi Baiti"/>
+        <a:font script="Tibt" typeface="Microsoft Himalaya"/>
+        <a:font script="Thaa" typeface="MV Boli"/>
+        <a:font script="Deva" typeface="Mangal"/>
+        <a:font script="Telu" typeface="Gautami"/>
+        <a:font script="Taml" typeface="Latha"/>
+        <a:font script="Syrc" typeface="Estrangelo Edessa"/>
+        <a:font script="Orya" typeface="Kalinga"/>
+        <a:font script="Mlym" typeface="Kartika"/>
+        <a:font script="Laoo" typeface="DokChampa"/>
+        <a:font script="Sinh" typeface="Iskoola Pota"/>
+        <a:font script="Mong" typeface="Mongolian Baiti"/>
+        <a:font script="Viet" typeface="Times New Roman"/>
+        <a:font script="Uigh" typeface="Microsoft Uighur"/>
+        <a:font script="Geor" typeface="Sylfaen"/>
+        <a:font script="Armn" typeface="Arial"/>
+        <a:font script="Bugi" typeface="Leelawadee UI"/>
+        <a:font script="Bopo" typeface="Microsoft JhengHei"/>
+        <a:font script="Java" typeface="Javanese Text"/>
+        <a:font script="Lisu" typeface="Segoe UI"/>
+        <a:font script="Mymr" typeface="Myanmar Text"/>
+        <a:font script="Nkoo" typeface="Ebrima"/>
+        <a:font script="Olck" typeface="Nirmala UI"/>
+        <a:font script="Osma" typeface="Ebrima"/>
+        <a:font script="Phag" typeface="Phagspa"/>
+        <a:font script="Syrn" typeface="Estrangelo Edessa"/>
+        <a:font script="Syrj" typeface="Estrangelo Edessa"/>
+        <a:font script="Syre" typeface="Estrangelo Edessa"/>
+        <a:font script="Sora" typeface="Nirmala UI"/>
+        <a:font script="Tale" typeface="Microsoft Tai Le"/>
+        <a:font script="Talu" typeface="Microsoft New Tai Lue"/>
+        <a:font script="Tfng" typeface="Ebrima"/>
+      </a:majorFont>
+      <a:minorFont>
+        <a:latin typeface="맑은 고딕" panose="020F0502020204030204"/>
+        <a:ea typeface=""/>
+        <a:cs typeface=""/>
+        <a:font script="Jpan" typeface="游ゴシック"/>
+        <a:font script="Hang" typeface="맑은 고딕"/>
+        <a:font script="Hans" typeface="等线"/>
+        <a:font script="Hant" typeface="新細明體"/>
+        <a:font script="Arab" typeface="Arial"/>
+        <a:font script="Hebr" typeface="Arial"/>
+        <a:font script="Thai" typeface="Cordia New"/>
+        <a:font script="Ethi" typeface="Nyala"/>
+        <a:font script="Beng" typeface="Vrinda"/>
+        <a:font script="Gujr" typeface="Shruti"/>
+        <a:font script="Khmr" typeface="DaunPenh"/>
+        <a:font script="Knda" typeface="Tunga"/>
+        <a:font script="Guru" typeface="Raavi"/>
+        <a:font script="Cans" typeface="Euphemia"/>
+        <a:font script="Cher" typeface="Plantagenet Cherokee"/>
+        <a:font script="Yiii" typeface="Microsoft Yi Baiti"/>
+        <a:font script="Tibt" typeface="Microsoft Himalaya"/>
+        <a:font script="Thaa" typeface="MV Boli"/>
+        <a:font script="Deva" typeface="Mangal"/>
+        <a:font script="Telu" typeface="Gautami"/>
+        <a:font script="Taml" typeface="Latha"/>
+        <a:font script="Syrc" typeface="Estrangelo Edessa"/>
+        <a:font script="Orya" typeface="Kalinga"/>
+        <a:font script="Mlym" typeface="Kartika"/>
+        <a:font script="Laoo" typeface="DokChampa"/>
+        <a:font script="Sinh" typeface="Iskoola Pota"/>
+        <a:font script="Mong" typeface="Mongolian Baiti"/>
+        <a:font script="Viet" typeface="Arial"/>
+        <a:font script="Uigh" typeface="Microsoft Uighur"/>
+        <a:font script="Geor" typeface="Sylfaen"/>
+        <a:font script="Armn" typeface="Arial"/>
+        <a:font script="Bugi" typeface="Leelawadee UI"/>
+        <a:font script="Bopo" typeface="Microsoft JhengHei"/>
+        <a:font script="Java" typeface="Javanese Text"/>
+        <a:font script="Lisu" typeface="Segoe UI"/>
+        <a:font script="Mymr" typeface="Myanmar Text"/>
+        <a:font script="Nkoo" typeface="Ebrima"/>
+        <a:font script="Olck" typeface="Nirmala UI"/>
+        <a:font script="Osma" typeface="Ebrima"/>
+        <a:font script="Phag" typeface="Phagspa"/>
+        <a:font script="Syrn" typeface="Estrangelo Edessa"/>
+        <a:font script="Syrj" typeface="Estrangelo Edessa"/>
+        <a:font script="Syre" typeface="Estrangelo Edessa"/>
+        <a:font script="Sora" typeface="Nirmala UI"/>
+        <a:font script="Tale" typeface="Microsoft Tai Le"/>
+        <a:font script="Talu" typeface="Microsoft New Tai Lue"/>
+        <a:font script="Tfng" typeface="Ebrima"/>
+      </a:minorFont>
+    </a:fontScheme>
+    <a:fmtScheme name="Office">
+      <a:fillStyleLst>
+        <a:solidFill>
+          <a:schemeClr val="phClr"/>
+        </a:solidFill>
+        <a:gradFill rotWithShape="1">
+          <a:gsLst>
+            <a:gs pos="0">
+              <a:schemeClr val="phClr">
+                <a:lumMod val="110000"/>
+                <a:satMod val="105000"/>
+                <a:tint val="67000"/>
+              </a:schemeClr>
+            </a:gs>
+            <a:gs pos="50000">
+              <a:schemeClr val="phClr">
+                <a:lumMod val="105000"/>
+                <a:satMod val="103000"/>
+                <a:tint val="73000"/>
+              </a:schemeClr>
+            </a:gs>
+            <a:gs pos="100000">
+              <a:schemeClr val="phClr">
+                <a:lumMod val="105000"/>
+                <a:satMod val="109000"/>
+                <a:tint val="81000"/>
+              </a:schemeClr>
+            </a:gs>
+          </a:gsLst>
+          <a:lin ang="5400000" scaled="0"/>
+        </a:gradFill>
+        <a:gradFill rotWithShape="1">
+          <a:gsLst>
+            <a:gs pos="0">
+              <a:schemeClr val="phClr">
+                <a:satMod val="103000"/>
+                <a:lumMod val="102000"/>
+                <a:tint val="94000"/>
+              </a:schemeClr>
+            </a:gs>
+            <a:gs pos="50000">
+              <a:schemeClr val="phClr">
+                <a:satMod val="110000"/>
+                <a:lumMod val="100000"/>
+                <a:shade val="100000"/>
+              </a:schemeClr>
+            </a:gs>
+            <a:gs pos="100000">
+              <a:schemeClr val="phClr">
+                <a:lumMod val="99000"/>
+                <a:satMod val="120000"/>
+                <a:shade val="78000"/>
+              </a:schemeClr>
+            </a:gs>
+          </a:gsLst>
+          <a:lin ang="5400000" scaled="0"/>
+        </a:gradFill>
+      </a:fillStyleLst>
+      <a:lnStyleLst>
+        <a:ln w="6350" cap="flat" cmpd="sng" algn="ctr">
+          <a:solidFill>
+            <a:schemeClr val="phClr"/>
+          </a:solidFill>
+          <a:prstDash val="solid"/>
+          <a:miter lim="800000"/>
+        </a:ln>
+        <a:ln w="12700" cap="flat" cmpd="sng" algn="ctr">
+          <a:solidFill>
+            <a:schemeClr val="phClr"/>
+          </a:solidFill>
+          <a:prstDash val="solid"/>
+          <a:miter lim="800000"/>
+        </a:ln>
+        <a:ln w="19050" cap="flat" cmpd="sng" algn="ctr">
+          <a:solidFill>
+            <a:schemeClr val="phClr"/>
+          </a:solidFill>
+          <a:prstDash val="solid"/>
+          <a:miter lim="800000"/>
+        </a:ln>
+      </a:lnStyleLst>
+      <a:effectStyleLst>
+        <a:effectStyle>
+          <a:effectLst/>
+        </a:effectStyle>
+        <a:effectStyle>
+          <a:effectLst/>
+        </a:effectStyle>
+        <a:effectStyle>
+          <a:effectLst>
+            <a:outerShdw blurRad="57150" dist="19050" dir="5400000" algn="ctr" rotWithShape="0">
+              <a:srgbClr val="000000">
+                <a:alpha val="63000"/>
+              </a:srgbClr>
+            </a:outerShdw>
+          </a:effectLst>
+        </a:effectStyle>
+      </a:effectStyleLst>
+      <a:bgFillStyleLst>
+        <a:solidFill>
+          <a:schemeClr val="phClr"/>
+        </a:solidFill>
+        <a:solidFill>
+          <a:schemeClr val="phClr">
+            <a:tint val="95000"/>
+            <a:satMod val="170000"/>
+          </a:schemeClr>
+        </a:solidFill>
+        <a:gradFill rotWithShape="1">
+          <a:gsLst>
+            <a:gs pos="0">
+              <a:schemeClr val="phClr">
+                <a:tint val="93000"/>
+                <a:satMod val="150000"/>
+                <a:shade val="98000"/>
+                <a:lumMod val="102000"/>
+              </a:schemeClr>
+            </a:gs>
+            <a:gs pos="50000">
+              <a:schemeClr val="phClr">
+                <a:tint val="98000"/>
+                <a:satMod val="130000"/>
+                <a:shade val="90000"/>
+                <a:lumMod val="103000"/>
+              </a:schemeClr>
+            </a:gs>
+            <a:gs pos="100000">
+              <a:schemeClr val="phClr">
+                <a:shade val="63000"/>
+                <a:satMod val="120000"/>
+              </a:schemeClr>
+            </a:gs>
+          </a:gsLst>
+          <a:lin ang="5400000" scaled="0"/>
+        </a:gradFill>
+      </a:bgFillStyleLst>
+    </a:fmtScheme>
+  </a:themeElements>
+  <a:objectDefaults/>
+  <a:extraClrSchemeLst/>
+  <a:extLst>
+    <a:ext uri="{05A4C25C-085E-4340-85A3-A5531E510DB2}">
+      <thm15:themeFamily xmlns:thm15="http://schemas.microsoft.com/office/thememl/2012/main" name="Office Theme" id="{62F939B6-93AF-4DB8-9C6B-D6C7DFDC589F}" vid="{4A3C46E8-61CC-4603-A589-7422A47A8E4A}"/>
+    </a:ext>
+  </a:extLst>
+</a:theme>
 </file>